--- a/docs/logo/OmegaLogo.pptx
+++ b/docs/logo/OmegaLogo.pptx
@@ -6,7 +6,8 @@
   </p:sldMasterIdLst>
   <p:sldIdLst>
     <p:sldId id="256" r:id="rId2"/>
-    <p:sldId id="257" r:id="rId3"/>
+    <p:sldId id="258" r:id="rId3"/>
+    <p:sldId id="257" r:id="rId4"/>
   </p:sldIdLst>
   <p:sldSz cx="9144000" cy="6858000" type="screen4x3"/>
   <p:notesSz cx="6858000" cy="9144000"/>
@@ -289,7 +290,7 @@
           <a:p>
             <a:fld id="{76C55591-6D1B-49CB-8597-9F26E42D6901}" type="datetimeFigureOut">
               <a:rPr lang="en-US" smtClean="0"/>
-              <a:t>8/24/2010</a:t>
+              <a:t>12/8/2011</a:t>
             </a:fld>
             <a:endParaRPr lang="en-US"/>
           </a:p>
@@ -459,7 +460,7 @@
           <a:p>
             <a:fld id="{76C55591-6D1B-49CB-8597-9F26E42D6901}" type="datetimeFigureOut">
               <a:rPr lang="en-US" smtClean="0"/>
-              <a:t>8/24/2010</a:t>
+              <a:t>12/8/2011</a:t>
             </a:fld>
             <a:endParaRPr lang="en-US"/>
           </a:p>
@@ -639,7 +640,7 @@
           <a:p>
             <a:fld id="{76C55591-6D1B-49CB-8597-9F26E42D6901}" type="datetimeFigureOut">
               <a:rPr lang="en-US" smtClean="0"/>
-              <a:t>8/24/2010</a:t>
+              <a:t>12/8/2011</a:t>
             </a:fld>
             <a:endParaRPr lang="en-US"/>
           </a:p>
@@ -809,7 +810,7 @@
           <a:p>
             <a:fld id="{76C55591-6D1B-49CB-8597-9F26E42D6901}" type="datetimeFigureOut">
               <a:rPr lang="en-US" smtClean="0"/>
-              <a:t>8/24/2010</a:t>
+              <a:t>12/8/2011</a:t>
             </a:fld>
             <a:endParaRPr lang="en-US"/>
           </a:p>
@@ -1055,7 +1056,7 @@
           <a:p>
             <a:fld id="{76C55591-6D1B-49CB-8597-9F26E42D6901}" type="datetimeFigureOut">
               <a:rPr lang="en-US" smtClean="0"/>
-              <a:t>8/24/2010</a:t>
+              <a:t>12/8/2011</a:t>
             </a:fld>
             <a:endParaRPr lang="en-US"/>
           </a:p>
@@ -1343,7 +1344,7 @@
           <a:p>
             <a:fld id="{76C55591-6D1B-49CB-8597-9F26E42D6901}" type="datetimeFigureOut">
               <a:rPr lang="en-US" smtClean="0"/>
-              <a:t>8/24/2010</a:t>
+              <a:t>12/8/2011</a:t>
             </a:fld>
             <a:endParaRPr lang="en-US"/>
           </a:p>
@@ -1765,7 +1766,7 @@
           <a:p>
             <a:fld id="{76C55591-6D1B-49CB-8597-9F26E42D6901}" type="datetimeFigureOut">
               <a:rPr lang="en-US" smtClean="0"/>
-              <a:t>8/24/2010</a:t>
+              <a:t>12/8/2011</a:t>
             </a:fld>
             <a:endParaRPr lang="en-US"/>
           </a:p>
@@ -1883,7 +1884,7 @@
           <a:p>
             <a:fld id="{76C55591-6D1B-49CB-8597-9F26E42D6901}" type="datetimeFigureOut">
               <a:rPr lang="en-US" smtClean="0"/>
-              <a:t>8/24/2010</a:t>
+              <a:t>12/8/2011</a:t>
             </a:fld>
             <a:endParaRPr lang="en-US"/>
           </a:p>
@@ -1978,7 +1979,7 @@
           <a:p>
             <a:fld id="{76C55591-6D1B-49CB-8597-9F26E42D6901}" type="datetimeFigureOut">
               <a:rPr lang="en-US" smtClean="0"/>
-              <a:t>8/24/2010</a:t>
+              <a:t>12/8/2011</a:t>
             </a:fld>
             <a:endParaRPr lang="en-US"/>
           </a:p>
@@ -2255,7 +2256,7 @@
           <a:p>
             <a:fld id="{76C55591-6D1B-49CB-8597-9F26E42D6901}" type="datetimeFigureOut">
               <a:rPr lang="en-US" smtClean="0"/>
-              <a:t>8/24/2010</a:t>
+              <a:t>12/8/2011</a:t>
             </a:fld>
             <a:endParaRPr lang="en-US"/>
           </a:p>
@@ -2508,7 +2509,7 @@
           <a:p>
             <a:fld id="{76C55591-6D1B-49CB-8597-9F26E42D6901}" type="datetimeFigureOut">
               <a:rPr lang="en-US" smtClean="0"/>
-              <a:t>8/24/2010</a:t>
+              <a:t>12/8/2011</a:t>
             </a:fld>
             <a:endParaRPr lang="en-US"/>
           </a:p>
@@ -2721,7 +2722,7 @@
           <a:p>
             <a:fld id="{76C55591-6D1B-49CB-8597-9F26E42D6901}" type="datetimeFigureOut">
               <a:rPr lang="en-US" smtClean="0"/>
-              <a:t>8/24/2010</a:t>
+              <a:t>12/8/2011</a:t>
             </a:fld>
             <a:endParaRPr lang="en-US"/>
           </a:p>
@@ -3621,7 +3622,7 @@
   <p:timing>
     <p:tnLst>
       <p:par>
-        <p:cTn xmlns:p14="http://schemas.microsoft.com/office/powerpoint/2010/main" id="1" dur="indefinite" restart="never" nodeType="tmRoot"/>
+        <p:cTn id="1" dur="indefinite" restart="never" nodeType="tmRoot"/>
       </p:par>
     </p:tnLst>
   </p:timing>
@@ -3629,6 +3630,570 @@
 </file>
 
 <file path=ppt/slides/slide2.xml><?xml version="1.0" encoding="utf-8"?>
+<p:sld xmlns:a="http://schemas.openxmlformats.org/drawingml/2006/main" xmlns:r="http://schemas.openxmlformats.org/officeDocument/2006/relationships" xmlns:p="http://schemas.openxmlformats.org/presentationml/2006/main">
+  <p:cSld>
+    <p:spTree>
+      <p:nvGrpSpPr>
+        <p:cNvPr id="1" name=""/>
+        <p:cNvGrpSpPr/>
+        <p:nvPr/>
+      </p:nvGrpSpPr>
+      <p:grpSpPr>
+        <a:xfrm>
+          <a:off x="0" y="0"/>
+          <a:ext cx="0" cy="0"/>
+          <a:chOff x="0" y="0"/>
+          <a:chExt cx="0" cy="0"/>
+        </a:xfrm>
+      </p:grpSpPr>
+      <p:cxnSp>
+        <p:nvCxnSpPr>
+          <p:cNvPr id="5" name="Straight Connector 4"/>
+          <p:cNvCxnSpPr/>
+          <p:nvPr/>
+        </p:nvCxnSpPr>
+        <p:spPr>
+          <a:xfrm>
+            <a:off x="2708729" y="2928246"/>
+            <a:ext cx="198483" cy="0"/>
+          </a:xfrm>
+          <a:prstGeom prst="line">
+            <a:avLst/>
+          </a:prstGeom>
+          <a:ln w="101600" cap="rnd" cmpd="sng">
+            <a:solidFill>
+              <a:schemeClr val="tx1">
+                <a:lumMod val="75000"/>
+                <a:lumOff val="25000"/>
+              </a:schemeClr>
+            </a:solidFill>
+            <a:round/>
+            <a:tailEnd type="none" w="sm" len="sm"/>
+          </a:ln>
+          <a:effectLst/>
+          <a:scene3d>
+            <a:camera prst="orthographicFront"/>
+            <a:lightRig rig="threePt" dir="t"/>
+          </a:scene3d>
+          <a:sp3d extrusionH="76200" prstMaterial="dkEdge">
+            <a:bevelB w="114300" prst="hardEdge"/>
+            <a:extrusionClr>
+              <a:schemeClr val="bg1"/>
+            </a:extrusionClr>
+          </a:sp3d>
+        </p:spPr>
+        <p:style>
+          <a:lnRef idx="3">
+            <a:schemeClr val="accent3"/>
+          </a:lnRef>
+          <a:fillRef idx="0">
+            <a:schemeClr val="accent3"/>
+          </a:fillRef>
+          <a:effectRef idx="2">
+            <a:schemeClr val="accent3"/>
+          </a:effectRef>
+          <a:fontRef idx="minor">
+            <a:schemeClr val="tx1"/>
+          </a:fontRef>
+        </p:style>
+      </p:cxnSp>
+      <p:sp>
+        <p:nvSpPr>
+          <p:cNvPr id="8" name="Arc 7"/>
+          <p:cNvSpPr/>
+          <p:nvPr/>
+        </p:nvSpPr>
+        <p:spPr>
+          <a:xfrm rot="16200000">
+            <a:off x="2748029" y="2456662"/>
+            <a:ext cx="528070" cy="460118"/>
+          </a:xfrm>
+          <a:prstGeom prst="arc">
+            <a:avLst>
+              <a:gd name="adj1" fmla="val 12236703"/>
+              <a:gd name="adj2" fmla="val 4295368"/>
+            </a:avLst>
+          </a:prstGeom>
+          <a:ln w="101600" cap="rnd" cmpd="sng">
+            <a:solidFill>
+              <a:schemeClr val="tx1">
+                <a:lumMod val="75000"/>
+                <a:lumOff val="25000"/>
+              </a:schemeClr>
+            </a:solidFill>
+            <a:round/>
+            <a:tailEnd type="none" w="sm" len="sm"/>
+          </a:ln>
+          <a:effectLst/>
+          <a:scene3d>
+            <a:camera prst="orthographicFront"/>
+            <a:lightRig rig="threePt" dir="t"/>
+          </a:scene3d>
+          <a:sp3d extrusionH="76200" prstMaterial="dkEdge">
+            <a:bevelB w="114300" prst="hardEdge"/>
+            <a:extrusionClr>
+              <a:schemeClr val="bg1"/>
+            </a:extrusionClr>
+          </a:sp3d>
+        </p:spPr>
+        <p:style>
+          <a:lnRef idx="3">
+            <a:schemeClr val="accent3"/>
+          </a:lnRef>
+          <a:fillRef idx="0">
+            <a:schemeClr val="accent3"/>
+          </a:fillRef>
+          <a:effectRef idx="2">
+            <a:schemeClr val="accent3"/>
+          </a:effectRef>
+          <a:fontRef idx="minor">
+            <a:schemeClr val="tx1"/>
+          </a:fontRef>
+        </p:style>
+        <p:txBody>
+          <a:bodyPr rtlCol="0" anchor="ctr"/>
+          <a:lstStyle/>
+          <a:p>
+            <a:pPr algn="ctr"/>
+            <a:endParaRPr lang="en-US"/>
+          </a:p>
+        </p:txBody>
+      </p:sp>
+      <p:sp>
+        <p:nvSpPr>
+          <p:cNvPr id="9" name="Arc 8"/>
+          <p:cNvSpPr/>
+          <p:nvPr/>
+        </p:nvSpPr>
+        <p:spPr>
+          <a:xfrm rot="16200000">
+            <a:off x="2802027" y="2495355"/>
+            <a:ext cx="490360" cy="404656"/>
+          </a:xfrm>
+          <a:prstGeom prst="arc">
+            <a:avLst>
+              <a:gd name="adj1" fmla="val 6798800"/>
+              <a:gd name="adj2" fmla="val 9563397"/>
+            </a:avLst>
+          </a:prstGeom>
+          <a:ln w="101600" cap="rnd">
+            <a:solidFill>
+              <a:schemeClr val="tx1">
+                <a:lumMod val="75000"/>
+                <a:lumOff val="25000"/>
+              </a:schemeClr>
+            </a:solidFill>
+          </a:ln>
+          <a:effectLst/>
+        </p:spPr>
+        <p:style>
+          <a:lnRef idx="3">
+            <a:schemeClr val="accent1"/>
+          </a:lnRef>
+          <a:fillRef idx="0">
+            <a:schemeClr val="accent1"/>
+          </a:fillRef>
+          <a:effectRef idx="2">
+            <a:schemeClr val="accent1"/>
+          </a:effectRef>
+          <a:fontRef idx="minor">
+            <a:schemeClr val="tx1"/>
+          </a:fontRef>
+        </p:style>
+        <p:txBody>
+          <a:bodyPr rtlCol="0" anchor="ctr"/>
+          <a:lstStyle/>
+          <a:p>
+            <a:pPr algn="ctr"/>
+            <a:endParaRPr lang="en-US"/>
+          </a:p>
+        </p:txBody>
+      </p:sp>
+      <p:cxnSp>
+        <p:nvCxnSpPr>
+          <p:cNvPr id="10" name="Straight Connector 9"/>
+          <p:cNvCxnSpPr/>
+          <p:nvPr/>
+        </p:nvCxnSpPr>
+        <p:spPr>
+          <a:xfrm>
+            <a:off x="3129487" y="2928246"/>
+            <a:ext cx="198483" cy="0"/>
+          </a:xfrm>
+          <a:prstGeom prst="line">
+            <a:avLst/>
+          </a:prstGeom>
+          <a:ln w="101600" cap="rnd">
+            <a:solidFill>
+              <a:schemeClr val="tx1">
+                <a:lumMod val="75000"/>
+                <a:lumOff val="25000"/>
+              </a:schemeClr>
+            </a:solidFill>
+          </a:ln>
+          <a:effectLst/>
+        </p:spPr>
+        <p:style>
+          <a:lnRef idx="3">
+            <a:schemeClr val="accent1"/>
+          </a:lnRef>
+          <a:fillRef idx="0">
+            <a:schemeClr val="accent1"/>
+          </a:fillRef>
+          <a:effectRef idx="2">
+            <a:schemeClr val="accent1"/>
+          </a:effectRef>
+          <a:fontRef idx="minor">
+            <a:schemeClr val="tx1"/>
+          </a:fontRef>
+        </p:style>
+      </p:cxnSp>
+      <p:cxnSp>
+        <p:nvCxnSpPr>
+          <p:cNvPr id="15" name="Straight Connector 14"/>
+          <p:cNvCxnSpPr/>
+          <p:nvPr/>
+        </p:nvCxnSpPr>
+        <p:spPr>
+          <a:xfrm>
+            <a:off x="3129487" y="2599831"/>
+            <a:ext cx="99242" cy="0"/>
+          </a:xfrm>
+          <a:prstGeom prst="line">
+            <a:avLst/>
+          </a:prstGeom>
+          <a:ln w="101600" cap="rnd" cmpd="sng">
+            <a:solidFill>
+              <a:schemeClr val="tx1">
+                <a:lumMod val="75000"/>
+                <a:lumOff val="25000"/>
+              </a:schemeClr>
+            </a:solidFill>
+            <a:round/>
+            <a:tailEnd type="none" w="sm" len="sm"/>
+          </a:ln>
+          <a:effectLst/>
+          <a:scene3d>
+            <a:camera prst="orthographicFront"/>
+            <a:lightRig rig="threePt" dir="t"/>
+          </a:scene3d>
+          <a:sp3d extrusionH="76200" prstMaterial="dkEdge">
+            <a:bevelB w="114300" prst="hardEdge"/>
+            <a:extrusionClr>
+              <a:schemeClr val="bg1"/>
+            </a:extrusionClr>
+          </a:sp3d>
+        </p:spPr>
+        <p:style>
+          <a:lnRef idx="3">
+            <a:schemeClr val="accent3"/>
+          </a:lnRef>
+          <a:fillRef idx="0">
+            <a:schemeClr val="accent3"/>
+          </a:fillRef>
+          <a:effectRef idx="2">
+            <a:schemeClr val="accent3"/>
+          </a:effectRef>
+          <a:fontRef idx="minor">
+            <a:schemeClr val="tx1"/>
+          </a:fontRef>
+        </p:style>
+      </p:cxnSp>
+      <p:cxnSp>
+        <p:nvCxnSpPr>
+          <p:cNvPr id="17" name="Straight Connector 16"/>
+          <p:cNvCxnSpPr/>
+          <p:nvPr/>
+        </p:nvCxnSpPr>
+        <p:spPr>
+          <a:xfrm>
+            <a:off x="3129487" y="2475304"/>
+            <a:ext cx="0" cy="107864"/>
+          </a:xfrm>
+          <a:prstGeom prst="line">
+            <a:avLst/>
+          </a:prstGeom>
+          <a:ln w="101600" cap="rnd" cmpd="sng">
+            <a:solidFill>
+              <a:schemeClr val="tx1">
+                <a:lumMod val="75000"/>
+                <a:lumOff val="25000"/>
+              </a:schemeClr>
+            </a:solidFill>
+            <a:round/>
+            <a:tailEnd type="none" w="sm" len="sm"/>
+          </a:ln>
+          <a:effectLst/>
+          <a:scene3d>
+            <a:camera prst="orthographicFront"/>
+            <a:lightRig rig="threePt" dir="t"/>
+          </a:scene3d>
+          <a:sp3d extrusionH="76200" prstMaterial="dkEdge">
+            <a:bevelB w="114300" prst="hardEdge"/>
+            <a:extrusionClr>
+              <a:schemeClr val="bg1"/>
+            </a:extrusionClr>
+          </a:sp3d>
+        </p:spPr>
+        <p:style>
+          <a:lnRef idx="3">
+            <a:schemeClr val="accent3"/>
+          </a:lnRef>
+          <a:fillRef idx="0">
+            <a:schemeClr val="accent3"/>
+          </a:fillRef>
+          <a:effectRef idx="2">
+            <a:schemeClr val="accent3"/>
+          </a:effectRef>
+          <a:fontRef idx="minor">
+            <a:schemeClr val="tx1"/>
+          </a:fontRef>
+        </p:style>
+      </p:cxnSp>
+      <p:cxnSp>
+        <p:nvCxnSpPr>
+          <p:cNvPr id="22" name="Straight Connector 21"/>
+          <p:cNvCxnSpPr/>
+          <p:nvPr/>
+        </p:nvCxnSpPr>
+        <p:spPr>
+          <a:xfrm>
+            <a:off x="3165575" y="2509943"/>
+            <a:ext cx="0" cy="84187"/>
+          </a:xfrm>
+          <a:prstGeom prst="line">
+            <a:avLst/>
+          </a:prstGeom>
+          <a:ln w="101600" cap="rnd" cmpd="sng">
+            <a:solidFill>
+              <a:schemeClr val="tx1">
+                <a:lumMod val="75000"/>
+                <a:lumOff val="25000"/>
+              </a:schemeClr>
+            </a:solidFill>
+            <a:round/>
+            <a:tailEnd type="none" w="sm" len="sm"/>
+          </a:ln>
+          <a:effectLst/>
+          <a:scene3d>
+            <a:camera prst="orthographicFront"/>
+            <a:lightRig rig="threePt" dir="t"/>
+          </a:scene3d>
+          <a:sp3d extrusionH="76200" prstMaterial="dkEdge">
+            <a:bevelB w="114300" prst="hardEdge"/>
+            <a:extrusionClr>
+              <a:schemeClr val="bg1"/>
+            </a:extrusionClr>
+          </a:sp3d>
+        </p:spPr>
+        <p:style>
+          <a:lnRef idx="3">
+            <a:schemeClr val="accent3"/>
+          </a:lnRef>
+          <a:fillRef idx="0">
+            <a:schemeClr val="accent3"/>
+          </a:fillRef>
+          <a:effectRef idx="2">
+            <a:schemeClr val="accent3"/>
+          </a:effectRef>
+          <a:fontRef idx="minor">
+            <a:schemeClr val="tx1"/>
+          </a:fontRef>
+        </p:style>
+      </p:cxnSp>
+      <p:sp>
+        <p:nvSpPr>
+          <p:cNvPr id="20" name="Arc 19"/>
+          <p:cNvSpPr/>
+          <p:nvPr/>
+        </p:nvSpPr>
+        <p:spPr>
+          <a:xfrm rot="16200000">
+            <a:off x="2444975" y="1652087"/>
+            <a:ext cx="1177000" cy="2054605"/>
+          </a:xfrm>
+          <a:prstGeom prst="arc">
+            <a:avLst>
+              <a:gd name="adj1" fmla="val 16648670"/>
+              <a:gd name="adj2" fmla="val 4984098"/>
+            </a:avLst>
+          </a:prstGeom>
+          <a:ln w="127000" cap="sq" cmpd="sng">
+            <a:solidFill>
+              <a:schemeClr val="tx1">
+                <a:lumMod val="75000"/>
+                <a:lumOff val="25000"/>
+              </a:schemeClr>
+            </a:solidFill>
+            <a:round/>
+            <a:tailEnd type="none" w="sm" len="sm"/>
+          </a:ln>
+          <a:effectLst/>
+          <a:scene3d>
+            <a:camera prst="orthographicFront"/>
+            <a:lightRig rig="threePt" dir="t"/>
+          </a:scene3d>
+          <a:sp3d extrusionH="76200" prstMaterial="dkEdge">
+            <a:bevelB w="114300" prst="hardEdge"/>
+            <a:extrusionClr>
+              <a:schemeClr val="bg1"/>
+            </a:extrusionClr>
+          </a:sp3d>
+        </p:spPr>
+        <p:style>
+          <a:lnRef idx="3">
+            <a:schemeClr val="accent3"/>
+          </a:lnRef>
+          <a:fillRef idx="0">
+            <a:schemeClr val="accent3"/>
+          </a:fillRef>
+          <a:effectRef idx="2">
+            <a:schemeClr val="accent3"/>
+          </a:effectRef>
+          <a:fontRef idx="minor">
+            <a:schemeClr val="tx1"/>
+          </a:fontRef>
+        </p:style>
+        <p:txBody>
+          <a:bodyPr rtlCol="0" anchor="ctr"/>
+          <a:lstStyle/>
+          <a:p>
+            <a:pPr algn="ctr"/>
+            <a:endParaRPr lang="en-US"/>
+          </a:p>
+        </p:txBody>
+      </p:sp>
+      <p:sp>
+        <p:nvSpPr>
+          <p:cNvPr id="21" name="Arc 20"/>
+          <p:cNvSpPr/>
+          <p:nvPr/>
+        </p:nvSpPr>
+        <p:spPr>
+          <a:xfrm rot="5400000" flipV="1">
+            <a:off x="2469313" y="1666770"/>
+            <a:ext cx="1128322" cy="2054604"/>
+          </a:xfrm>
+          <a:prstGeom prst="arc">
+            <a:avLst>
+              <a:gd name="adj1" fmla="val 16681143"/>
+              <a:gd name="adj2" fmla="val 4973386"/>
+            </a:avLst>
+          </a:prstGeom>
+          <a:ln w="127000" cap="sq" cmpd="sng">
+            <a:solidFill>
+              <a:schemeClr val="tx1">
+                <a:lumMod val="75000"/>
+                <a:lumOff val="25000"/>
+              </a:schemeClr>
+            </a:solidFill>
+            <a:round/>
+            <a:tailEnd type="none" w="sm" len="sm"/>
+          </a:ln>
+          <a:effectLst/>
+          <a:scene3d>
+            <a:camera prst="orthographicFront"/>
+            <a:lightRig rig="threePt" dir="t"/>
+          </a:scene3d>
+          <a:sp3d extrusionH="76200" prstMaterial="dkEdge">
+            <a:bevelB w="114300" prst="hardEdge"/>
+            <a:extrusionClr>
+              <a:schemeClr val="bg1"/>
+            </a:extrusionClr>
+          </a:sp3d>
+        </p:spPr>
+        <p:style>
+          <a:lnRef idx="3">
+            <a:schemeClr val="accent3"/>
+          </a:lnRef>
+          <a:fillRef idx="0">
+            <a:schemeClr val="accent3"/>
+          </a:fillRef>
+          <a:effectRef idx="2">
+            <a:schemeClr val="accent3"/>
+          </a:effectRef>
+          <a:fontRef idx="minor">
+            <a:schemeClr val="tx1"/>
+          </a:fontRef>
+        </p:style>
+        <p:txBody>
+          <a:bodyPr rtlCol="0" anchor="ctr"/>
+          <a:lstStyle/>
+          <a:p>
+            <a:pPr algn="ctr"/>
+            <a:endParaRPr lang="en-US"/>
+          </a:p>
+        </p:txBody>
+      </p:sp>
+      <p:sp>
+        <p:nvSpPr>
+          <p:cNvPr id="24" name="TextBox 23"/>
+          <p:cNvSpPr txBox="1"/>
+          <p:nvPr/>
+        </p:nvSpPr>
+        <p:spPr>
+          <a:xfrm>
+            <a:off x="4173560" y="1894559"/>
+            <a:ext cx="4700095" cy="1569660"/>
+          </a:xfrm>
+          <a:prstGeom prst="rect">
+            <a:avLst/>
+          </a:prstGeom>
+          <a:noFill/>
+        </p:spPr>
+        <p:txBody>
+          <a:bodyPr wrap="square" rtlCol="0">
+            <a:spAutoFit/>
+          </a:bodyPr>
+          <a:lstStyle/>
+          <a:p>
+            <a:r>
+              <a:rPr lang="en-US" sz="9600" dirty="0" smtClean="0">
+                <a:solidFill>
+                  <a:schemeClr val="tx1">
+                    <a:lumMod val="75000"/>
+                    <a:lumOff val="25000"/>
+                  </a:schemeClr>
+                </a:solidFill>
+                <a:effectLst/>
+                <a:latin typeface="Gill Sans MT" pitchFamily="34" charset="0"/>
+              </a:rPr>
+              <a:t>Cyclops</a:t>
+            </a:r>
+            <a:endParaRPr lang="en-US" sz="9600" dirty="0">
+              <a:solidFill>
+                <a:schemeClr val="tx1">
+                  <a:lumMod val="75000"/>
+                  <a:lumOff val="25000"/>
+                </a:schemeClr>
+              </a:solidFill>
+              <a:effectLst/>
+              <a:latin typeface="Gill Sans MT" pitchFamily="34" charset="0"/>
+            </a:endParaRPr>
+          </a:p>
+        </p:txBody>
+      </p:sp>
+    </p:spTree>
+    <p:extLst>
+      <p:ext uri="{BB962C8B-B14F-4D97-AF65-F5344CB8AC3E}">
+        <p14:creationId xmlns:p14="http://schemas.microsoft.com/office/powerpoint/2010/main" val="3097988084"/>
+      </p:ext>
+    </p:extLst>
+  </p:cSld>
+  <p:clrMapOvr>
+    <a:masterClrMapping/>
+  </p:clrMapOvr>
+  <p:timing>
+    <p:tnLst>
+      <p:par>
+        <p:cTn id="1" dur="indefinite" restart="never" nodeType="tmRoot"/>
+      </p:par>
+    </p:tnLst>
+  </p:timing>
+</p:sld>
+</file>
+
+<file path=ppt/slides/slide3.xml><?xml version="1.0" encoding="utf-8"?>
 <p:sld xmlns:a="http://schemas.openxmlformats.org/drawingml/2006/main" xmlns:r="http://schemas.openxmlformats.org/officeDocument/2006/relationships" xmlns:p="http://schemas.openxmlformats.org/presentationml/2006/main">
   <p:cSld>
     <p:bg>
@@ -4190,34 +4755,34 @@
         <a:sysClr val="window" lastClr="FFFFFF"/>
       </a:lt1>
       <a:dk2>
-        <a:srgbClr xmlns:mc="http://schemas.openxmlformats.org/markup-compatibility/2006" xmlns:a14="http://schemas.microsoft.com/office/drawing/2010/main" val="1F497D" mc:Ignorable=""/>
+        <a:srgbClr val="1F497D"/>
       </a:dk2>
       <a:lt2>
-        <a:srgbClr xmlns:mc="http://schemas.openxmlformats.org/markup-compatibility/2006" xmlns:a14="http://schemas.microsoft.com/office/drawing/2010/main" val="EEECE1" mc:Ignorable=""/>
+        <a:srgbClr val="EEECE1"/>
       </a:lt2>
       <a:accent1>
-        <a:srgbClr xmlns:mc="http://schemas.openxmlformats.org/markup-compatibility/2006" xmlns:a14="http://schemas.microsoft.com/office/drawing/2010/main" val="4F81BD" mc:Ignorable=""/>
+        <a:srgbClr val="4F81BD"/>
       </a:accent1>
       <a:accent2>
-        <a:srgbClr xmlns:mc="http://schemas.openxmlformats.org/markup-compatibility/2006" xmlns:a14="http://schemas.microsoft.com/office/drawing/2010/main" val="C0504D" mc:Ignorable=""/>
+        <a:srgbClr val="C0504D"/>
       </a:accent2>
       <a:accent3>
-        <a:srgbClr xmlns:mc="http://schemas.openxmlformats.org/markup-compatibility/2006" xmlns:a14="http://schemas.microsoft.com/office/drawing/2010/main" val="9BBB59" mc:Ignorable=""/>
+        <a:srgbClr val="9BBB59"/>
       </a:accent3>
       <a:accent4>
-        <a:srgbClr xmlns:mc="http://schemas.openxmlformats.org/markup-compatibility/2006" xmlns:a14="http://schemas.microsoft.com/office/drawing/2010/main" val="8064A2" mc:Ignorable=""/>
+        <a:srgbClr val="8064A2"/>
       </a:accent4>
       <a:accent5>
-        <a:srgbClr xmlns:mc="http://schemas.openxmlformats.org/markup-compatibility/2006" xmlns:a14="http://schemas.microsoft.com/office/drawing/2010/main" val="4BACC6" mc:Ignorable=""/>
+        <a:srgbClr val="4BACC6"/>
       </a:accent5>
       <a:accent6>
-        <a:srgbClr xmlns:mc="http://schemas.openxmlformats.org/markup-compatibility/2006" xmlns:a14="http://schemas.microsoft.com/office/drawing/2010/main" val="F79646" mc:Ignorable=""/>
+        <a:srgbClr val="F79646"/>
       </a:accent6>
       <a:hlink>
-        <a:srgbClr xmlns:mc="http://schemas.openxmlformats.org/markup-compatibility/2006" xmlns:a14="http://schemas.microsoft.com/office/drawing/2010/main" val="0000FF" mc:Ignorable=""/>
+        <a:srgbClr val="0000FF"/>
       </a:hlink>
       <a:folHlink>
-        <a:srgbClr xmlns:mc="http://schemas.openxmlformats.org/markup-compatibility/2006" xmlns:a14="http://schemas.microsoft.com/office/drawing/2010/main" val="800080" mc:Ignorable=""/>
+        <a:srgbClr val="800080"/>
       </a:folHlink>
     </a:clrScheme>
     <a:fontScheme name="Office">
@@ -4371,7 +4936,7 @@
         <a:effectStyle>
           <a:effectLst>
             <a:outerShdw blurRad="40000" dist="20000" dir="5400000" rotWithShape="0">
-              <a:srgbClr xmlns:mc="http://schemas.openxmlformats.org/markup-compatibility/2006" xmlns:a14="http://schemas.microsoft.com/office/drawing/2010/main" val="000000" mc:Ignorable="">
+              <a:srgbClr val="000000">
                 <a:alpha val="38000"/>
               </a:srgbClr>
             </a:outerShdw>
@@ -4380,7 +4945,7 @@
         <a:effectStyle>
           <a:effectLst>
             <a:outerShdw blurRad="40000" dist="23000" dir="5400000" rotWithShape="0">
-              <a:srgbClr xmlns:mc="http://schemas.openxmlformats.org/markup-compatibility/2006" xmlns:a14="http://schemas.microsoft.com/office/drawing/2010/main" val="000000" mc:Ignorable="">
+              <a:srgbClr val="000000">
                 <a:alpha val="35000"/>
               </a:srgbClr>
             </a:outerShdw>
@@ -4389,7 +4954,7 @@
         <a:effectStyle>
           <a:effectLst>
             <a:outerShdw blurRad="40000" dist="23000" dir="5400000" rotWithShape="0">
-              <a:srgbClr xmlns:mc="http://schemas.openxmlformats.org/markup-compatibility/2006" xmlns:a14="http://schemas.microsoft.com/office/drawing/2010/main" val="000000" mc:Ignorable="">
+              <a:srgbClr val="000000">
                 <a:alpha val="35000"/>
               </a:srgbClr>
             </a:outerShdw>

--- a/docs/logo/OmegaLogo.pptx
+++ b/docs/logo/OmegaLogo.pptx
@@ -6,8 +6,7 @@
   </p:sldMasterIdLst>
   <p:sldIdLst>
     <p:sldId id="256" r:id="rId2"/>
-    <p:sldId id="258" r:id="rId3"/>
-    <p:sldId id="257" r:id="rId4"/>
+    <p:sldId id="257" r:id="rId3"/>
   </p:sldIdLst>
   <p:sldSz cx="9144000" cy="6858000" type="screen4x3"/>
   <p:notesSz cx="6858000" cy="9144000"/>
@@ -290,7 +289,7 @@
           <a:p>
             <a:fld id="{76C55591-6D1B-49CB-8597-9F26E42D6901}" type="datetimeFigureOut">
               <a:rPr lang="en-US" smtClean="0"/>
-              <a:t>12/8/2011</a:t>
+              <a:t>8/24/2010</a:t>
             </a:fld>
             <a:endParaRPr lang="en-US"/>
           </a:p>
@@ -460,7 +459,7 @@
           <a:p>
             <a:fld id="{76C55591-6D1B-49CB-8597-9F26E42D6901}" type="datetimeFigureOut">
               <a:rPr lang="en-US" smtClean="0"/>
-              <a:t>12/8/2011</a:t>
+              <a:t>8/24/2010</a:t>
             </a:fld>
             <a:endParaRPr lang="en-US"/>
           </a:p>
@@ -640,7 +639,7 @@
           <a:p>
             <a:fld id="{76C55591-6D1B-49CB-8597-9F26E42D6901}" type="datetimeFigureOut">
               <a:rPr lang="en-US" smtClean="0"/>
-              <a:t>12/8/2011</a:t>
+              <a:t>8/24/2010</a:t>
             </a:fld>
             <a:endParaRPr lang="en-US"/>
           </a:p>
@@ -810,7 +809,7 @@
           <a:p>
             <a:fld id="{76C55591-6D1B-49CB-8597-9F26E42D6901}" type="datetimeFigureOut">
               <a:rPr lang="en-US" smtClean="0"/>
-              <a:t>12/8/2011</a:t>
+              <a:t>8/24/2010</a:t>
             </a:fld>
             <a:endParaRPr lang="en-US"/>
           </a:p>
@@ -1056,7 +1055,7 @@
           <a:p>
             <a:fld id="{76C55591-6D1B-49CB-8597-9F26E42D6901}" type="datetimeFigureOut">
               <a:rPr lang="en-US" smtClean="0"/>
-              <a:t>12/8/2011</a:t>
+              <a:t>8/24/2010</a:t>
             </a:fld>
             <a:endParaRPr lang="en-US"/>
           </a:p>
@@ -1344,7 +1343,7 @@
           <a:p>
             <a:fld id="{76C55591-6D1B-49CB-8597-9F26E42D6901}" type="datetimeFigureOut">
               <a:rPr lang="en-US" smtClean="0"/>
-              <a:t>12/8/2011</a:t>
+              <a:t>8/24/2010</a:t>
             </a:fld>
             <a:endParaRPr lang="en-US"/>
           </a:p>
@@ -1766,7 +1765,7 @@
           <a:p>
             <a:fld id="{76C55591-6D1B-49CB-8597-9F26E42D6901}" type="datetimeFigureOut">
               <a:rPr lang="en-US" smtClean="0"/>
-              <a:t>12/8/2011</a:t>
+              <a:t>8/24/2010</a:t>
             </a:fld>
             <a:endParaRPr lang="en-US"/>
           </a:p>
@@ -1884,7 +1883,7 @@
           <a:p>
             <a:fld id="{76C55591-6D1B-49CB-8597-9F26E42D6901}" type="datetimeFigureOut">
               <a:rPr lang="en-US" smtClean="0"/>
-              <a:t>12/8/2011</a:t>
+              <a:t>8/24/2010</a:t>
             </a:fld>
             <a:endParaRPr lang="en-US"/>
           </a:p>
@@ -1979,7 +1978,7 @@
           <a:p>
             <a:fld id="{76C55591-6D1B-49CB-8597-9F26E42D6901}" type="datetimeFigureOut">
               <a:rPr lang="en-US" smtClean="0"/>
-              <a:t>12/8/2011</a:t>
+              <a:t>8/24/2010</a:t>
             </a:fld>
             <a:endParaRPr lang="en-US"/>
           </a:p>
@@ -2256,7 +2255,7 @@
           <a:p>
             <a:fld id="{76C55591-6D1B-49CB-8597-9F26E42D6901}" type="datetimeFigureOut">
               <a:rPr lang="en-US" smtClean="0"/>
-              <a:t>12/8/2011</a:t>
+              <a:t>8/24/2010</a:t>
             </a:fld>
             <a:endParaRPr lang="en-US"/>
           </a:p>
@@ -2509,7 +2508,7 @@
           <a:p>
             <a:fld id="{76C55591-6D1B-49CB-8597-9F26E42D6901}" type="datetimeFigureOut">
               <a:rPr lang="en-US" smtClean="0"/>
-              <a:t>12/8/2011</a:t>
+              <a:t>8/24/2010</a:t>
             </a:fld>
             <a:endParaRPr lang="en-US"/>
           </a:p>
@@ -2722,7 +2721,7 @@
           <a:p>
             <a:fld id="{76C55591-6D1B-49CB-8597-9F26E42D6901}" type="datetimeFigureOut">
               <a:rPr lang="en-US" smtClean="0"/>
-              <a:t>12/8/2011</a:t>
+              <a:t>8/24/2010</a:t>
             </a:fld>
             <a:endParaRPr lang="en-US"/>
           </a:p>
@@ -3622,7 +3621,7 @@
   <p:timing>
     <p:tnLst>
       <p:par>
-        <p:cTn id="1" dur="indefinite" restart="never" nodeType="tmRoot"/>
+        <p:cTn xmlns:p14="http://schemas.microsoft.com/office/powerpoint/2010/main" id="1" dur="indefinite" restart="never" nodeType="tmRoot"/>
       </p:par>
     </p:tnLst>
   </p:timing>
@@ -3630,570 +3629,6 @@
 </file>
 
 <file path=ppt/slides/slide2.xml><?xml version="1.0" encoding="utf-8"?>
-<p:sld xmlns:a="http://schemas.openxmlformats.org/drawingml/2006/main" xmlns:r="http://schemas.openxmlformats.org/officeDocument/2006/relationships" xmlns:p="http://schemas.openxmlformats.org/presentationml/2006/main">
-  <p:cSld>
-    <p:spTree>
-      <p:nvGrpSpPr>
-        <p:cNvPr id="1" name=""/>
-        <p:cNvGrpSpPr/>
-        <p:nvPr/>
-      </p:nvGrpSpPr>
-      <p:grpSpPr>
-        <a:xfrm>
-          <a:off x="0" y="0"/>
-          <a:ext cx="0" cy="0"/>
-          <a:chOff x="0" y="0"/>
-          <a:chExt cx="0" cy="0"/>
-        </a:xfrm>
-      </p:grpSpPr>
-      <p:cxnSp>
-        <p:nvCxnSpPr>
-          <p:cNvPr id="5" name="Straight Connector 4"/>
-          <p:cNvCxnSpPr/>
-          <p:nvPr/>
-        </p:nvCxnSpPr>
-        <p:spPr>
-          <a:xfrm>
-            <a:off x="2708729" y="2928246"/>
-            <a:ext cx="198483" cy="0"/>
-          </a:xfrm>
-          <a:prstGeom prst="line">
-            <a:avLst/>
-          </a:prstGeom>
-          <a:ln w="101600" cap="rnd" cmpd="sng">
-            <a:solidFill>
-              <a:schemeClr val="tx1">
-                <a:lumMod val="75000"/>
-                <a:lumOff val="25000"/>
-              </a:schemeClr>
-            </a:solidFill>
-            <a:round/>
-            <a:tailEnd type="none" w="sm" len="sm"/>
-          </a:ln>
-          <a:effectLst/>
-          <a:scene3d>
-            <a:camera prst="orthographicFront"/>
-            <a:lightRig rig="threePt" dir="t"/>
-          </a:scene3d>
-          <a:sp3d extrusionH="76200" prstMaterial="dkEdge">
-            <a:bevelB w="114300" prst="hardEdge"/>
-            <a:extrusionClr>
-              <a:schemeClr val="bg1"/>
-            </a:extrusionClr>
-          </a:sp3d>
-        </p:spPr>
-        <p:style>
-          <a:lnRef idx="3">
-            <a:schemeClr val="accent3"/>
-          </a:lnRef>
-          <a:fillRef idx="0">
-            <a:schemeClr val="accent3"/>
-          </a:fillRef>
-          <a:effectRef idx="2">
-            <a:schemeClr val="accent3"/>
-          </a:effectRef>
-          <a:fontRef idx="minor">
-            <a:schemeClr val="tx1"/>
-          </a:fontRef>
-        </p:style>
-      </p:cxnSp>
-      <p:sp>
-        <p:nvSpPr>
-          <p:cNvPr id="8" name="Arc 7"/>
-          <p:cNvSpPr/>
-          <p:nvPr/>
-        </p:nvSpPr>
-        <p:spPr>
-          <a:xfrm rot="16200000">
-            <a:off x="2748029" y="2456662"/>
-            <a:ext cx="528070" cy="460118"/>
-          </a:xfrm>
-          <a:prstGeom prst="arc">
-            <a:avLst>
-              <a:gd name="adj1" fmla="val 12236703"/>
-              <a:gd name="adj2" fmla="val 4295368"/>
-            </a:avLst>
-          </a:prstGeom>
-          <a:ln w="101600" cap="rnd" cmpd="sng">
-            <a:solidFill>
-              <a:schemeClr val="tx1">
-                <a:lumMod val="75000"/>
-                <a:lumOff val="25000"/>
-              </a:schemeClr>
-            </a:solidFill>
-            <a:round/>
-            <a:tailEnd type="none" w="sm" len="sm"/>
-          </a:ln>
-          <a:effectLst/>
-          <a:scene3d>
-            <a:camera prst="orthographicFront"/>
-            <a:lightRig rig="threePt" dir="t"/>
-          </a:scene3d>
-          <a:sp3d extrusionH="76200" prstMaterial="dkEdge">
-            <a:bevelB w="114300" prst="hardEdge"/>
-            <a:extrusionClr>
-              <a:schemeClr val="bg1"/>
-            </a:extrusionClr>
-          </a:sp3d>
-        </p:spPr>
-        <p:style>
-          <a:lnRef idx="3">
-            <a:schemeClr val="accent3"/>
-          </a:lnRef>
-          <a:fillRef idx="0">
-            <a:schemeClr val="accent3"/>
-          </a:fillRef>
-          <a:effectRef idx="2">
-            <a:schemeClr val="accent3"/>
-          </a:effectRef>
-          <a:fontRef idx="minor">
-            <a:schemeClr val="tx1"/>
-          </a:fontRef>
-        </p:style>
-        <p:txBody>
-          <a:bodyPr rtlCol="0" anchor="ctr"/>
-          <a:lstStyle/>
-          <a:p>
-            <a:pPr algn="ctr"/>
-            <a:endParaRPr lang="en-US"/>
-          </a:p>
-        </p:txBody>
-      </p:sp>
-      <p:sp>
-        <p:nvSpPr>
-          <p:cNvPr id="9" name="Arc 8"/>
-          <p:cNvSpPr/>
-          <p:nvPr/>
-        </p:nvSpPr>
-        <p:spPr>
-          <a:xfrm rot="16200000">
-            <a:off x="2802027" y="2495355"/>
-            <a:ext cx="490360" cy="404656"/>
-          </a:xfrm>
-          <a:prstGeom prst="arc">
-            <a:avLst>
-              <a:gd name="adj1" fmla="val 6798800"/>
-              <a:gd name="adj2" fmla="val 9563397"/>
-            </a:avLst>
-          </a:prstGeom>
-          <a:ln w="101600" cap="rnd">
-            <a:solidFill>
-              <a:schemeClr val="tx1">
-                <a:lumMod val="75000"/>
-                <a:lumOff val="25000"/>
-              </a:schemeClr>
-            </a:solidFill>
-          </a:ln>
-          <a:effectLst/>
-        </p:spPr>
-        <p:style>
-          <a:lnRef idx="3">
-            <a:schemeClr val="accent1"/>
-          </a:lnRef>
-          <a:fillRef idx="0">
-            <a:schemeClr val="accent1"/>
-          </a:fillRef>
-          <a:effectRef idx="2">
-            <a:schemeClr val="accent1"/>
-          </a:effectRef>
-          <a:fontRef idx="minor">
-            <a:schemeClr val="tx1"/>
-          </a:fontRef>
-        </p:style>
-        <p:txBody>
-          <a:bodyPr rtlCol="0" anchor="ctr"/>
-          <a:lstStyle/>
-          <a:p>
-            <a:pPr algn="ctr"/>
-            <a:endParaRPr lang="en-US"/>
-          </a:p>
-        </p:txBody>
-      </p:sp>
-      <p:cxnSp>
-        <p:nvCxnSpPr>
-          <p:cNvPr id="10" name="Straight Connector 9"/>
-          <p:cNvCxnSpPr/>
-          <p:nvPr/>
-        </p:nvCxnSpPr>
-        <p:spPr>
-          <a:xfrm>
-            <a:off x="3129487" y="2928246"/>
-            <a:ext cx="198483" cy="0"/>
-          </a:xfrm>
-          <a:prstGeom prst="line">
-            <a:avLst/>
-          </a:prstGeom>
-          <a:ln w="101600" cap="rnd">
-            <a:solidFill>
-              <a:schemeClr val="tx1">
-                <a:lumMod val="75000"/>
-                <a:lumOff val="25000"/>
-              </a:schemeClr>
-            </a:solidFill>
-          </a:ln>
-          <a:effectLst/>
-        </p:spPr>
-        <p:style>
-          <a:lnRef idx="3">
-            <a:schemeClr val="accent1"/>
-          </a:lnRef>
-          <a:fillRef idx="0">
-            <a:schemeClr val="accent1"/>
-          </a:fillRef>
-          <a:effectRef idx="2">
-            <a:schemeClr val="accent1"/>
-          </a:effectRef>
-          <a:fontRef idx="minor">
-            <a:schemeClr val="tx1"/>
-          </a:fontRef>
-        </p:style>
-      </p:cxnSp>
-      <p:cxnSp>
-        <p:nvCxnSpPr>
-          <p:cNvPr id="15" name="Straight Connector 14"/>
-          <p:cNvCxnSpPr/>
-          <p:nvPr/>
-        </p:nvCxnSpPr>
-        <p:spPr>
-          <a:xfrm>
-            <a:off x="3129487" y="2599831"/>
-            <a:ext cx="99242" cy="0"/>
-          </a:xfrm>
-          <a:prstGeom prst="line">
-            <a:avLst/>
-          </a:prstGeom>
-          <a:ln w="101600" cap="rnd" cmpd="sng">
-            <a:solidFill>
-              <a:schemeClr val="tx1">
-                <a:lumMod val="75000"/>
-                <a:lumOff val="25000"/>
-              </a:schemeClr>
-            </a:solidFill>
-            <a:round/>
-            <a:tailEnd type="none" w="sm" len="sm"/>
-          </a:ln>
-          <a:effectLst/>
-          <a:scene3d>
-            <a:camera prst="orthographicFront"/>
-            <a:lightRig rig="threePt" dir="t"/>
-          </a:scene3d>
-          <a:sp3d extrusionH="76200" prstMaterial="dkEdge">
-            <a:bevelB w="114300" prst="hardEdge"/>
-            <a:extrusionClr>
-              <a:schemeClr val="bg1"/>
-            </a:extrusionClr>
-          </a:sp3d>
-        </p:spPr>
-        <p:style>
-          <a:lnRef idx="3">
-            <a:schemeClr val="accent3"/>
-          </a:lnRef>
-          <a:fillRef idx="0">
-            <a:schemeClr val="accent3"/>
-          </a:fillRef>
-          <a:effectRef idx="2">
-            <a:schemeClr val="accent3"/>
-          </a:effectRef>
-          <a:fontRef idx="minor">
-            <a:schemeClr val="tx1"/>
-          </a:fontRef>
-        </p:style>
-      </p:cxnSp>
-      <p:cxnSp>
-        <p:nvCxnSpPr>
-          <p:cNvPr id="17" name="Straight Connector 16"/>
-          <p:cNvCxnSpPr/>
-          <p:nvPr/>
-        </p:nvCxnSpPr>
-        <p:spPr>
-          <a:xfrm>
-            <a:off x="3129487" y="2475304"/>
-            <a:ext cx="0" cy="107864"/>
-          </a:xfrm>
-          <a:prstGeom prst="line">
-            <a:avLst/>
-          </a:prstGeom>
-          <a:ln w="101600" cap="rnd" cmpd="sng">
-            <a:solidFill>
-              <a:schemeClr val="tx1">
-                <a:lumMod val="75000"/>
-                <a:lumOff val="25000"/>
-              </a:schemeClr>
-            </a:solidFill>
-            <a:round/>
-            <a:tailEnd type="none" w="sm" len="sm"/>
-          </a:ln>
-          <a:effectLst/>
-          <a:scene3d>
-            <a:camera prst="orthographicFront"/>
-            <a:lightRig rig="threePt" dir="t"/>
-          </a:scene3d>
-          <a:sp3d extrusionH="76200" prstMaterial="dkEdge">
-            <a:bevelB w="114300" prst="hardEdge"/>
-            <a:extrusionClr>
-              <a:schemeClr val="bg1"/>
-            </a:extrusionClr>
-          </a:sp3d>
-        </p:spPr>
-        <p:style>
-          <a:lnRef idx="3">
-            <a:schemeClr val="accent3"/>
-          </a:lnRef>
-          <a:fillRef idx="0">
-            <a:schemeClr val="accent3"/>
-          </a:fillRef>
-          <a:effectRef idx="2">
-            <a:schemeClr val="accent3"/>
-          </a:effectRef>
-          <a:fontRef idx="minor">
-            <a:schemeClr val="tx1"/>
-          </a:fontRef>
-        </p:style>
-      </p:cxnSp>
-      <p:cxnSp>
-        <p:nvCxnSpPr>
-          <p:cNvPr id="22" name="Straight Connector 21"/>
-          <p:cNvCxnSpPr/>
-          <p:nvPr/>
-        </p:nvCxnSpPr>
-        <p:spPr>
-          <a:xfrm>
-            <a:off x="3165575" y="2509943"/>
-            <a:ext cx="0" cy="84187"/>
-          </a:xfrm>
-          <a:prstGeom prst="line">
-            <a:avLst/>
-          </a:prstGeom>
-          <a:ln w="101600" cap="rnd" cmpd="sng">
-            <a:solidFill>
-              <a:schemeClr val="tx1">
-                <a:lumMod val="75000"/>
-                <a:lumOff val="25000"/>
-              </a:schemeClr>
-            </a:solidFill>
-            <a:round/>
-            <a:tailEnd type="none" w="sm" len="sm"/>
-          </a:ln>
-          <a:effectLst/>
-          <a:scene3d>
-            <a:camera prst="orthographicFront"/>
-            <a:lightRig rig="threePt" dir="t"/>
-          </a:scene3d>
-          <a:sp3d extrusionH="76200" prstMaterial="dkEdge">
-            <a:bevelB w="114300" prst="hardEdge"/>
-            <a:extrusionClr>
-              <a:schemeClr val="bg1"/>
-            </a:extrusionClr>
-          </a:sp3d>
-        </p:spPr>
-        <p:style>
-          <a:lnRef idx="3">
-            <a:schemeClr val="accent3"/>
-          </a:lnRef>
-          <a:fillRef idx="0">
-            <a:schemeClr val="accent3"/>
-          </a:fillRef>
-          <a:effectRef idx="2">
-            <a:schemeClr val="accent3"/>
-          </a:effectRef>
-          <a:fontRef idx="minor">
-            <a:schemeClr val="tx1"/>
-          </a:fontRef>
-        </p:style>
-      </p:cxnSp>
-      <p:sp>
-        <p:nvSpPr>
-          <p:cNvPr id="20" name="Arc 19"/>
-          <p:cNvSpPr/>
-          <p:nvPr/>
-        </p:nvSpPr>
-        <p:spPr>
-          <a:xfrm rot="16200000">
-            <a:off x="2444975" y="1652087"/>
-            <a:ext cx="1177000" cy="2054605"/>
-          </a:xfrm>
-          <a:prstGeom prst="arc">
-            <a:avLst>
-              <a:gd name="adj1" fmla="val 16648670"/>
-              <a:gd name="adj2" fmla="val 4984098"/>
-            </a:avLst>
-          </a:prstGeom>
-          <a:ln w="127000" cap="sq" cmpd="sng">
-            <a:solidFill>
-              <a:schemeClr val="tx1">
-                <a:lumMod val="75000"/>
-                <a:lumOff val="25000"/>
-              </a:schemeClr>
-            </a:solidFill>
-            <a:round/>
-            <a:tailEnd type="none" w="sm" len="sm"/>
-          </a:ln>
-          <a:effectLst/>
-          <a:scene3d>
-            <a:camera prst="orthographicFront"/>
-            <a:lightRig rig="threePt" dir="t"/>
-          </a:scene3d>
-          <a:sp3d extrusionH="76200" prstMaterial="dkEdge">
-            <a:bevelB w="114300" prst="hardEdge"/>
-            <a:extrusionClr>
-              <a:schemeClr val="bg1"/>
-            </a:extrusionClr>
-          </a:sp3d>
-        </p:spPr>
-        <p:style>
-          <a:lnRef idx="3">
-            <a:schemeClr val="accent3"/>
-          </a:lnRef>
-          <a:fillRef idx="0">
-            <a:schemeClr val="accent3"/>
-          </a:fillRef>
-          <a:effectRef idx="2">
-            <a:schemeClr val="accent3"/>
-          </a:effectRef>
-          <a:fontRef idx="minor">
-            <a:schemeClr val="tx1"/>
-          </a:fontRef>
-        </p:style>
-        <p:txBody>
-          <a:bodyPr rtlCol="0" anchor="ctr"/>
-          <a:lstStyle/>
-          <a:p>
-            <a:pPr algn="ctr"/>
-            <a:endParaRPr lang="en-US"/>
-          </a:p>
-        </p:txBody>
-      </p:sp>
-      <p:sp>
-        <p:nvSpPr>
-          <p:cNvPr id="21" name="Arc 20"/>
-          <p:cNvSpPr/>
-          <p:nvPr/>
-        </p:nvSpPr>
-        <p:spPr>
-          <a:xfrm rot="5400000" flipV="1">
-            <a:off x="2469313" y="1666770"/>
-            <a:ext cx="1128322" cy="2054604"/>
-          </a:xfrm>
-          <a:prstGeom prst="arc">
-            <a:avLst>
-              <a:gd name="adj1" fmla="val 16681143"/>
-              <a:gd name="adj2" fmla="val 4973386"/>
-            </a:avLst>
-          </a:prstGeom>
-          <a:ln w="127000" cap="sq" cmpd="sng">
-            <a:solidFill>
-              <a:schemeClr val="tx1">
-                <a:lumMod val="75000"/>
-                <a:lumOff val="25000"/>
-              </a:schemeClr>
-            </a:solidFill>
-            <a:round/>
-            <a:tailEnd type="none" w="sm" len="sm"/>
-          </a:ln>
-          <a:effectLst/>
-          <a:scene3d>
-            <a:camera prst="orthographicFront"/>
-            <a:lightRig rig="threePt" dir="t"/>
-          </a:scene3d>
-          <a:sp3d extrusionH="76200" prstMaterial="dkEdge">
-            <a:bevelB w="114300" prst="hardEdge"/>
-            <a:extrusionClr>
-              <a:schemeClr val="bg1"/>
-            </a:extrusionClr>
-          </a:sp3d>
-        </p:spPr>
-        <p:style>
-          <a:lnRef idx="3">
-            <a:schemeClr val="accent3"/>
-          </a:lnRef>
-          <a:fillRef idx="0">
-            <a:schemeClr val="accent3"/>
-          </a:fillRef>
-          <a:effectRef idx="2">
-            <a:schemeClr val="accent3"/>
-          </a:effectRef>
-          <a:fontRef idx="minor">
-            <a:schemeClr val="tx1"/>
-          </a:fontRef>
-        </p:style>
-        <p:txBody>
-          <a:bodyPr rtlCol="0" anchor="ctr"/>
-          <a:lstStyle/>
-          <a:p>
-            <a:pPr algn="ctr"/>
-            <a:endParaRPr lang="en-US"/>
-          </a:p>
-        </p:txBody>
-      </p:sp>
-      <p:sp>
-        <p:nvSpPr>
-          <p:cNvPr id="24" name="TextBox 23"/>
-          <p:cNvSpPr txBox="1"/>
-          <p:nvPr/>
-        </p:nvSpPr>
-        <p:spPr>
-          <a:xfrm>
-            <a:off x="4173560" y="1894559"/>
-            <a:ext cx="4700095" cy="1569660"/>
-          </a:xfrm>
-          <a:prstGeom prst="rect">
-            <a:avLst/>
-          </a:prstGeom>
-          <a:noFill/>
-        </p:spPr>
-        <p:txBody>
-          <a:bodyPr wrap="square" rtlCol="0">
-            <a:spAutoFit/>
-          </a:bodyPr>
-          <a:lstStyle/>
-          <a:p>
-            <a:r>
-              <a:rPr lang="en-US" sz="9600" dirty="0" smtClean="0">
-                <a:solidFill>
-                  <a:schemeClr val="tx1">
-                    <a:lumMod val="75000"/>
-                    <a:lumOff val="25000"/>
-                  </a:schemeClr>
-                </a:solidFill>
-                <a:effectLst/>
-                <a:latin typeface="Gill Sans MT" pitchFamily="34" charset="0"/>
-              </a:rPr>
-              <a:t>Cyclops</a:t>
-            </a:r>
-            <a:endParaRPr lang="en-US" sz="9600" dirty="0">
-              <a:solidFill>
-                <a:schemeClr val="tx1">
-                  <a:lumMod val="75000"/>
-                  <a:lumOff val="25000"/>
-                </a:schemeClr>
-              </a:solidFill>
-              <a:effectLst/>
-              <a:latin typeface="Gill Sans MT" pitchFamily="34" charset="0"/>
-            </a:endParaRPr>
-          </a:p>
-        </p:txBody>
-      </p:sp>
-    </p:spTree>
-    <p:extLst>
-      <p:ext uri="{BB962C8B-B14F-4D97-AF65-F5344CB8AC3E}">
-        <p14:creationId xmlns:p14="http://schemas.microsoft.com/office/powerpoint/2010/main" val="3097988084"/>
-      </p:ext>
-    </p:extLst>
-  </p:cSld>
-  <p:clrMapOvr>
-    <a:masterClrMapping/>
-  </p:clrMapOvr>
-  <p:timing>
-    <p:tnLst>
-      <p:par>
-        <p:cTn id="1" dur="indefinite" restart="never" nodeType="tmRoot"/>
-      </p:par>
-    </p:tnLst>
-  </p:timing>
-</p:sld>
-</file>
-
-<file path=ppt/slides/slide3.xml><?xml version="1.0" encoding="utf-8"?>
 <p:sld xmlns:a="http://schemas.openxmlformats.org/drawingml/2006/main" xmlns:r="http://schemas.openxmlformats.org/officeDocument/2006/relationships" xmlns:p="http://schemas.openxmlformats.org/presentationml/2006/main">
   <p:cSld>
     <p:bg>
@@ -4755,34 +4190,34 @@
         <a:sysClr val="window" lastClr="FFFFFF"/>
       </a:lt1>
       <a:dk2>
-        <a:srgbClr val="1F497D"/>
+        <a:srgbClr xmlns:mc="http://schemas.openxmlformats.org/markup-compatibility/2006" xmlns:a14="http://schemas.microsoft.com/office/drawing/2010/main" val="1F497D" mc:Ignorable=""/>
       </a:dk2>
       <a:lt2>
-        <a:srgbClr val="EEECE1"/>
+        <a:srgbClr xmlns:mc="http://schemas.openxmlformats.org/markup-compatibility/2006" xmlns:a14="http://schemas.microsoft.com/office/drawing/2010/main" val="EEECE1" mc:Ignorable=""/>
       </a:lt2>
       <a:accent1>
-        <a:srgbClr val="4F81BD"/>
+        <a:srgbClr xmlns:mc="http://schemas.openxmlformats.org/markup-compatibility/2006" xmlns:a14="http://schemas.microsoft.com/office/drawing/2010/main" val="4F81BD" mc:Ignorable=""/>
       </a:accent1>
       <a:accent2>
-        <a:srgbClr val="C0504D"/>
+        <a:srgbClr xmlns:mc="http://schemas.openxmlformats.org/markup-compatibility/2006" xmlns:a14="http://schemas.microsoft.com/office/drawing/2010/main" val="C0504D" mc:Ignorable=""/>
       </a:accent2>
       <a:accent3>
-        <a:srgbClr val="9BBB59"/>
+        <a:srgbClr xmlns:mc="http://schemas.openxmlformats.org/markup-compatibility/2006" xmlns:a14="http://schemas.microsoft.com/office/drawing/2010/main" val="9BBB59" mc:Ignorable=""/>
       </a:accent3>
       <a:accent4>
-        <a:srgbClr val="8064A2"/>
+        <a:srgbClr xmlns:mc="http://schemas.openxmlformats.org/markup-compatibility/2006" xmlns:a14="http://schemas.microsoft.com/office/drawing/2010/main" val="8064A2" mc:Ignorable=""/>
       </a:accent4>
       <a:accent5>
-        <a:srgbClr val="4BACC6"/>
+        <a:srgbClr xmlns:mc="http://schemas.openxmlformats.org/markup-compatibility/2006" xmlns:a14="http://schemas.microsoft.com/office/drawing/2010/main" val="4BACC6" mc:Ignorable=""/>
       </a:accent5>
       <a:accent6>
-        <a:srgbClr val="F79646"/>
+        <a:srgbClr xmlns:mc="http://schemas.openxmlformats.org/markup-compatibility/2006" xmlns:a14="http://schemas.microsoft.com/office/drawing/2010/main" val="F79646" mc:Ignorable=""/>
       </a:accent6>
       <a:hlink>
-        <a:srgbClr val="0000FF"/>
+        <a:srgbClr xmlns:mc="http://schemas.openxmlformats.org/markup-compatibility/2006" xmlns:a14="http://schemas.microsoft.com/office/drawing/2010/main" val="0000FF" mc:Ignorable=""/>
       </a:hlink>
       <a:folHlink>
-        <a:srgbClr val="800080"/>
+        <a:srgbClr xmlns:mc="http://schemas.openxmlformats.org/markup-compatibility/2006" xmlns:a14="http://schemas.microsoft.com/office/drawing/2010/main" val="800080" mc:Ignorable=""/>
       </a:folHlink>
     </a:clrScheme>
     <a:fontScheme name="Office">
@@ -4936,7 +4371,7 @@
         <a:effectStyle>
           <a:effectLst>
             <a:outerShdw blurRad="40000" dist="20000" dir="5400000" rotWithShape="0">
-              <a:srgbClr val="000000">
+              <a:srgbClr xmlns:mc="http://schemas.openxmlformats.org/markup-compatibility/2006" xmlns:a14="http://schemas.microsoft.com/office/drawing/2010/main" val="000000" mc:Ignorable="">
                 <a:alpha val="38000"/>
               </a:srgbClr>
             </a:outerShdw>
@@ -4945,7 +4380,7 @@
         <a:effectStyle>
           <a:effectLst>
             <a:outerShdw blurRad="40000" dist="23000" dir="5400000" rotWithShape="0">
-              <a:srgbClr val="000000">
+              <a:srgbClr xmlns:mc="http://schemas.openxmlformats.org/markup-compatibility/2006" xmlns:a14="http://schemas.microsoft.com/office/drawing/2010/main" val="000000" mc:Ignorable="">
                 <a:alpha val="35000"/>
               </a:srgbClr>
             </a:outerShdw>
@@ -4954,7 +4389,7 @@
         <a:effectStyle>
           <a:effectLst>
             <a:outerShdw blurRad="40000" dist="23000" dir="5400000" rotWithShape="0">
-              <a:srgbClr val="000000">
+              <a:srgbClr xmlns:mc="http://schemas.openxmlformats.org/markup-compatibility/2006" xmlns:a14="http://schemas.microsoft.com/office/drawing/2010/main" val="000000" mc:Ignorable="">
                 <a:alpha val="35000"/>
               </a:srgbClr>
             </a:outerShdw>

--- a/docs/logo/OmegaLogo.pptx
+++ b/docs/logo/OmegaLogo.pptx
@@ -6,8 +6,9 @@
   </p:sldMasterIdLst>
   <p:sldIdLst>
     <p:sldId id="256" r:id="rId2"/>
-    <p:sldId id="258" r:id="rId3"/>
-    <p:sldId id="257" r:id="rId4"/>
+    <p:sldId id="259" r:id="rId3"/>
+    <p:sldId id="258" r:id="rId4"/>
+    <p:sldId id="257" r:id="rId5"/>
   </p:sldIdLst>
   <p:sldSz cx="9144000" cy="6858000" type="screen4x3"/>
   <p:notesSz cx="6858000" cy="9144000"/>
@@ -290,7 +291,7 @@
           <a:p>
             <a:fld id="{76C55591-6D1B-49CB-8597-9F26E42D6901}" type="datetimeFigureOut">
               <a:rPr lang="en-US" smtClean="0"/>
-              <a:t>12/8/2011</a:t>
+              <a:t>8/9/2012</a:t>
             </a:fld>
             <a:endParaRPr lang="en-US"/>
           </a:p>
@@ -460,7 +461,7 @@
           <a:p>
             <a:fld id="{76C55591-6D1B-49CB-8597-9F26E42D6901}" type="datetimeFigureOut">
               <a:rPr lang="en-US" smtClean="0"/>
-              <a:t>12/8/2011</a:t>
+              <a:t>8/9/2012</a:t>
             </a:fld>
             <a:endParaRPr lang="en-US"/>
           </a:p>
@@ -640,7 +641,7 @@
           <a:p>
             <a:fld id="{76C55591-6D1B-49CB-8597-9F26E42D6901}" type="datetimeFigureOut">
               <a:rPr lang="en-US" smtClean="0"/>
-              <a:t>12/8/2011</a:t>
+              <a:t>8/9/2012</a:t>
             </a:fld>
             <a:endParaRPr lang="en-US"/>
           </a:p>
@@ -810,7 +811,7 @@
           <a:p>
             <a:fld id="{76C55591-6D1B-49CB-8597-9F26E42D6901}" type="datetimeFigureOut">
               <a:rPr lang="en-US" smtClean="0"/>
-              <a:t>12/8/2011</a:t>
+              <a:t>8/9/2012</a:t>
             </a:fld>
             <a:endParaRPr lang="en-US"/>
           </a:p>
@@ -1056,7 +1057,7 @@
           <a:p>
             <a:fld id="{76C55591-6D1B-49CB-8597-9F26E42D6901}" type="datetimeFigureOut">
               <a:rPr lang="en-US" smtClean="0"/>
-              <a:t>12/8/2011</a:t>
+              <a:t>8/9/2012</a:t>
             </a:fld>
             <a:endParaRPr lang="en-US"/>
           </a:p>
@@ -1344,7 +1345,7 @@
           <a:p>
             <a:fld id="{76C55591-6D1B-49CB-8597-9F26E42D6901}" type="datetimeFigureOut">
               <a:rPr lang="en-US" smtClean="0"/>
-              <a:t>12/8/2011</a:t>
+              <a:t>8/9/2012</a:t>
             </a:fld>
             <a:endParaRPr lang="en-US"/>
           </a:p>
@@ -1766,7 +1767,7 @@
           <a:p>
             <a:fld id="{76C55591-6D1B-49CB-8597-9F26E42D6901}" type="datetimeFigureOut">
               <a:rPr lang="en-US" smtClean="0"/>
-              <a:t>12/8/2011</a:t>
+              <a:t>8/9/2012</a:t>
             </a:fld>
             <a:endParaRPr lang="en-US"/>
           </a:p>
@@ -1884,7 +1885,7 @@
           <a:p>
             <a:fld id="{76C55591-6D1B-49CB-8597-9F26E42D6901}" type="datetimeFigureOut">
               <a:rPr lang="en-US" smtClean="0"/>
-              <a:t>12/8/2011</a:t>
+              <a:t>8/9/2012</a:t>
             </a:fld>
             <a:endParaRPr lang="en-US"/>
           </a:p>
@@ -1979,7 +1980,7 @@
           <a:p>
             <a:fld id="{76C55591-6D1B-49CB-8597-9F26E42D6901}" type="datetimeFigureOut">
               <a:rPr lang="en-US" smtClean="0"/>
-              <a:t>12/8/2011</a:t>
+              <a:t>8/9/2012</a:t>
             </a:fld>
             <a:endParaRPr lang="en-US"/>
           </a:p>
@@ -2256,7 +2257,7 @@
           <a:p>
             <a:fld id="{76C55591-6D1B-49CB-8597-9F26E42D6901}" type="datetimeFigureOut">
               <a:rPr lang="en-US" smtClean="0"/>
-              <a:t>12/8/2011</a:t>
+              <a:t>8/9/2012</a:t>
             </a:fld>
             <a:endParaRPr lang="en-US"/>
           </a:p>
@@ -2509,7 +2510,7 @@
           <a:p>
             <a:fld id="{76C55591-6D1B-49CB-8597-9F26E42D6901}" type="datetimeFigureOut">
               <a:rPr lang="en-US" smtClean="0"/>
-              <a:t>12/8/2011</a:t>
+              <a:t>8/9/2012</a:t>
             </a:fld>
             <a:endParaRPr lang="en-US"/>
           </a:p>
@@ -2722,7 +2723,7 @@
           <a:p>
             <a:fld id="{76C55591-6D1B-49CB-8597-9F26E42D6901}" type="datetimeFigureOut">
               <a:rPr lang="en-US" smtClean="0"/>
-              <a:t>12/8/2011</a:t>
+              <a:t>8/9/2012</a:t>
             </a:fld>
             <a:endParaRPr lang="en-US"/>
           </a:p>
@@ -3646,6 +3647,378 @@
           <a:chExt cx="0" cy="0"/>
         </a:xfrm>
       </p:grpSpPr>
+      <p:sp>
+        <p:nvSpPr>
+          <p:cNvPr id="8" name="Arc 7"/>
+          <p:cNvSpPr/>
+          <p:nvPr/>
+        </p:nvSpPr>
+        <p:spPr>
+          <a:xfrm rot="16200000">
+            <a:off x="2540063" y="2146784"/>
+            <a:ext cx="1892175" cy="1943098"/>
+          </a:xfrm>
+          <a:prstGeom prst="arc">
+            <a:avLst>
+              <a:gd name="adj1" fmla="val 12236703"/>
+              <a:gd name="adj2" fmla="val 4295368"/>
+            </a:avLst>
+          </a:prstGeom>
+          <a:ln w="260350" cap="rnd" cmpd="sng">
+            <a:solidFill>
+              <a:schemeClr val="tx1">
+                <a:lumMod val="65000"/>
+                <a:lumOff val="35000"/>
+              </a:schemeClr>
+            </a:solidFill>
+            <a:round/>
+            <a:tailEnd type="none" w="sm" len="sm"/>
+          </a:ln>
+          <a:effectLst/>
+          <a:scene3d>
+            <a:camera prst="orthographicFront"/>
+            <a:lightRig rig="threePt" dir="t"/>
+          </a:scene3d>
+          <a:sp3d extrusionH="76200" prstMaterial="dkEdge">
+            <a:bevelB w="114300" prst="hardEdge"/>
+            <a:extrusionClr>
+              <a:schemeClr val="bg1"/>
+            </a:extrusionClr>
+          </a:sp3d>
+        </p:spPr>
+        <p:style>
+          <a:lnRef idx="3">
+            <a:schemeClr val="accent3"/>
+          </a:lnRef>
+          <a:fillRef idx="0">
+            <a:schemeClr val="accent3"/>
+          </a:fillRef>
+          <a:effectRef idx="2">
+            <a:schemeClr val="accent3"/>
+          </a:effectRef>
+          <a:fontRef idx="minor">
+            <a:schemeClr val="tx1"/>
+          </a:fontRef>
+        </p:style>
+        <p:txBody>
+          <a:bodyPr rtlCol="0" anchor="ctr"/>
+          <a:lstStyle/>
+          <a:p>
+            <a:pPr algn="ctr"/>
+            <a:endParaRPr lang="en-US"/>
+          </a:p>
+        </p:txBody>
+      </p:sp>
+      <p:cxnSp>
+        <p:nvCxnSpPr>
+          <p:cNvPr id="5" name="Straight Connector 4"/>
+          <p:cNvCxnSpPr/>
+          <p:nvPr/>
+        </p:nvCxnSpPr>
+        <p:spPr>
+          <a:xfrm>
+            <a:off x="2133600" y="3983767"/>
+            <a:ext cx="838200" cy="0"/>
+          </a:xfrm>
+          <a:prstGeom prst="line">
+            <a:avLst/>
+          </a:prstGeom>
+          <a:ln w="260350" cap="rnd" cmpd="sng">
+            <a:solidFill>
+              <a:schemeClr val="tx1">
+                <a:lumMod val="65000"/>
+                <a:lumOff val="35000"/>
+              </a:schemeClr>
+            </a:solidFill>
+            <a:round/>
+            <a:tailEnd type="none" w="sm" len="sm"/>
+          </a:ln>
+          <a:effectLst/>
+          <a:scene3d>
+            <a:camera prst="orthographicFront"/>
+            <a:lightRig rig="threePt" dir="t"/>
+          </a:scene3d>
+          <a:sp3d extrusionH="76200" prstMaterial="dkEdge">
+            <a:bevelB w="114300" prst="hardEdge"/>
+            <a:extrusionClr>
+              <a:schemeClr val="bg1"/>
+            </a:extrusionClr>
+          </a:sp3d>
+        </p:spPr>
+        <p:style>
+          <a:lnRef idx="3">
+            <a:schemeClr val="accent3"/>
+          </a:lnRef>
+          <a:fillRef idx="0">
+            <a:schemeClr val="accent3"/>
+          </a:fillRef>
+          <a:effectRef idx="2">
+            <a:schemeClr val="accent3"/>
+          </a:effectRef>
+          <a:fontRef idx="minor">
+            <a:schemeClr val="tx1"/>
+          </a:fontRef>
+        </p:style>
+      </p:cxnSp>
+      <p:cxnSp>
+        <p:nvCxnSpPr>
+          <p:cNvPr id="15" name="Straight Connector 14"/>
+          <p:cNvCxnSpPr/>
+          <p:nvPr/>
+        </p:nvCxnSpPr>
+        <p:spPr>
+          <a:xfrm>
+            <a:off x="3982038" y="2806988"/>
+            <a:ext cx="419100" cy="0"/>
+          </a:xfrm>
+          <a:prstGeom prst="line">
+            <a:avLst/>
+          </a:prstGeom>
+          <a:ln w="260350" cap="rnd" cmpd="sng">
+            <a:solidFill>
+              <a:schemeClr val="tx1">
+                <a:lumMod val="65000"/>
+                <a:lumOff val="35000"/>
+              </a:schemeClr>
+            </a:solidFill>
+            <a:round/>
+            <a:tailEnd type="none" w="sm" len="sm"/>
+          </a:ln>
+          <a:effectLst/>
+          <a:scene3d>
+            <a:camera prst="orthographicFront"/>
+            <a:lightRig rig="threePt" dir="t"/>
+          </a:scene3d>
+          <a:sp3d extrusionH="76200" prstMaterial="dkEdge">
+            <a:bevelB w="114300" prst="hardEdge"/>
+            <a:extrusionClr>
+              <a:schemeClr val="bg1"/>
+            </a:extrusionClr>
+          </a:sp3d>
+        </p:spPr>
+        <p:style>
+          <a:lnRef idx="3">
+            <a:schemeClr val="accent3"/>
+          </a:lnRef>
+          <a:fillRef idx="0">
+            <a:schemeClr val="accent3"/>
+          </a:fillRef>
+          <a:effectRef idx="2">
+            <a:schemeClr val="accent3"/>
+          </a:effectRef>
+          <a:fontRef idx="minor">
+            <a:schemeClr val="tx1"/>
+          </a:fontRef>
+        </p:style>
+      </p:cxnSp>
+      <p:cxnSp>
+        <p:nvCxnSpPr>
+          <p:cNvPr id="17" name="Straight Connector 16"/>
+          <p:cNvCxnSpPr/>
+          <p:nvPr/>
+        </p:nvCxnSpPr>
+        <p:spPr>
+          <a:xfrm>
+            <a:off x="3982038" y="2360786"/>
+            <a:ext cx="0" cy="386499"/>
+          </a:xfrm>
+          <a:prstGeom prst="line">
+            <a:avLst/>
+          </a:prstGeom>
+          <a:ln w="260350" cap="rnd" cmpd="sng">
+            <a:solidFill>
+              <a:schemeClr val="tx1">
+                <a:lumMod val="65000"/>
+                <a:lumOff val="35000"/>
+              </a:schemeClr>
+            </a:solidFill>
+            <a:round/>
+            <a:tailEnd type="none" w="sm" len="sm"/>
+          </a:ln>
+          <a:effectLst/>
+          <a:scene3d>
+            <a:camera prst="orthographicFront"/>
+            <a:lightRig rig="threePt" dir="t"/>
+          </a:scene3d>
+          <a:sp3d extrusionH="76200" prstMaterial="dkEdge">
+            <a:bevelB w="114300" prst="hardEdge"/>
+            <a:extrusionClr>
+              <a:schemeClr val="bg1"/>
+            </a:extrusionClr>
+          </a:sp3d>
+        </p:spPr>
+        <p:style>
+          <a:lnRef idx="3">
+            <a:schemeClr val="accent3"/>
+          </a:lnRef>
+          <a:fillRef idx="0">
+            <a:schemeClr val="accent3"/>
+          </a:fillRef>
+          <a:effectRef idx="2">
+            <a:schemeClr val="accent3"/>
+          </a:effectRef>
+          <a:fontRef idx="minor">
+            <a:schemeClr val="tx1"/>
+          </a:fontRef>
+        </p:style>
+      </p:cxnSp>
+      <p:cxnSp>
+        <p:nvCxnSpPr>
+          <p:cNvPr id="22" name="Straight Connector 21"/>
+          <p:cNvCxnSpPr/>
+          <p:nvPr/>
+        </p:nvCxnSpPr>
+        <p:spPr>
+          <a:xfrm>
+            <a:off x="4134438" y="2484903"/>
+            <a:ext cx="0" cy="301658"/>
+          </a:xfrm>
+          <a:prstGeom prst="line">
+            <a:avLst/>
+          </a:prstGeom>
+          <a:ln w="260350" cap="rnd" cmpd="sng">
+            <a:solidFill>
+              <a:schemeClr val="tx1">
+                <a:lumMod val="65000"/>
+                <a:lumOff val="35000"/>
+              </a:schemeClr>
+            </a:solidFill>
+            <a:round/>
+            <a:tailEnd type="none" w="sm" len="sm"/>
+          </a:ln>
+          <a:effectLst/>
+          <a:scene3d>
+            <a:camera prst="orthographicFront"/>
+            <a:lightRig rig="threePt" dir="t"/>
+          </a:scene3d>
+          <a:sp3d extrusionH="76200" prstMaterial="dkEdge">
+            <a:bevelB w="114300" prst="hardEdge"/>
+            <a:extrusionClr>
+              <a:schemeClr val="bg1"/>
+            </a:extrusionClr>
+          </a:sp3d>
+        </p:spPr>
+        <p:style>
+          <a:lnRef idx="3">
+            <a:schemeClr val="accent3"/>
+          </a:lnRef>
+          <a:fillRef idx="0">
+            <a:schemeClr val="accent3"/>
+          </a:fillRef>
+          <a:effectRef idx="2">
+            <a:schemeClr val="accent3"/>
+          </a:effectRef>
+          <a:fontRef idx="minor">
+            <a:schemeClr val="tx1"/>
+          </a:fontRef>
+        </p:style>
+      </p:cxnSp>
+      <p:sp>
+        <p:nvSpPr>
+          <p:cNvPr id="2" name="TextBox 1"/>
+          <p:cNvSpPr txBox="1"/>
+          <p:nvPr/>
+        </p:nvSpPr>
+        <p:spPr>
+          <a:xfrm>
+            <a:off x="3220985" y="2088517"/>
+            <a:ext cx="1915909" cy="2646878"/>
+          </a:xfrm>
+          <a:prstGeom prst="rect">
+            <a:avLst/>
+          </a:prstGeom>
+          <a:noFill/>
+          <a:effectLst>
+            <a:outerShdw blurRad="63500" sx="102000" sy="102000" algn="ctr" rotWithShape="0">
+              <a:prstClr val="black">
+                <a:alpha val="40000"/>
+              </a:prstClr>
+            </a:outerShdw>
+          </a:effectLst>
+        </p:spPr>
+        <p:txBody>
+          <a:bodyPr wrap="none" rtlCol="0">
+            <a:spAutoFit/>
+          </a:bodyPr>
+          <a:lstStyle/>
+          <a:p>
+            <a:r>
+              <a:rPr lang="en-US" sz="16600" b="1" dirty="0" smtClean="0">
+                <a:ln w="18415" cmpd="sng">
+                  <a:noFill/>
+                  <a:prstDash val="solid"/>
+                </a:ln>
+                <a:solidFill>
+                  <a:srgbClr val="92D050"/>
+                </a:solidFill>
+                <a:effectLst>
+                  <a:outerShdw blurRad="101600" sx="103000" sy="103000" algn="ctr" rotWithShape="0">
+                    <a:prstClr val="black">
+                      <a:alpha val="80000"/>
+                    </a:prstClr>
+                  </a:outerShdw>
+                </a:effectLst>
+                <a:latin typeface="+mj-lt"/>
+              </a:rPr>
+              <a:t>m</a:t>
+            </a:r>
+            <a:endParaRPr lang="en-US" sz="6600" b="1" dirty="0">
+              <a:ln w="18415" cmpd="sng">
+                <a:noFill/>
+                <a:prstDash val="solid"/>
+              </a:ln>
+              <a:solidFill>
+                <a:srgbClr val="92D050"/>
+              </a:solidFill>
+              <a:effectLst>
+                <a:outerShdw blurRad="101600" sx="103000" sy="103000" algn="ctr" rotWithShape="0">
+                  <a:prstClr val="black">
+                    <a:alpha val="80000"/>
+                  </a:prstClr>
+                </a:outerShdw>
+              </a:effectLst>
+              <a:latin typeface="+mj-lt"/>
+            </a:endParaRPr>
+          </a:p>
+        </p:txBody>
+      </p:sp>
+    </p:spTree>
+    <p:extLst>
+      <p:ext uri="{BB962C8B-B14F-4D97-AF65-F5344CB8AC3E}">
+        <p14:creationId xmlns:p14="http://schemas.microsoft.com/office/powerpoint/2010/main" val="4184847730"/>
+      </p:ext>
+    </p:extLst>
+  </p:cSld>
+  <p:clrMapOvr>
+    <a:masterClrMapping/>
+  </p:clrMapOvr>
+  <p:timing>
+    <p:tnLst>
+      <p:par>
+        <p:cTn id="1" dur="indefinite" restart="never" nodeType="tmRoot"/>
+      </p:par>
+    </p:tnLst>
+  </p:timing>
+</p:sld>
+</file>
+
+<file path=ppt/slides/slide3.xml><?xml version="1.0" encoding="utf-8"?>
+<p:sld xmlns:a="http://schemas.openxmlformats.org/drawingml/2006/main" xmlns:r="http://schemas.openxmlformats.org/officeDocument/2006/relationships" xmlns:p="http://schemas.openxmlformats.org/presentationml/2006/main">
+  <p:cSld>
+    <p:spTree>
+      <p:nvGrpSpPr>
+        <p:cNvPr id="1" name=""/>
+        <p:cNvGrpSpPr/>
+        <p:nvPr/>
+      </p:nvGrpSpPr>
+      <p:grpSpPr>
+        <a:xfrm>
+          <a:off x="0" y="0"/>
+          <a:ext cx="0" cy="0"/>
+          <a:chOff x="0" y="0"/>
+          <a:chExt cx="0" cy="0"/>
+        </a:xfrm>
+      </p:grpSpPr>
       <p:cxnSp>
         <p:nvCxnSpPr>
           <p:cNvPr id="5" name="Straight Connector 4"/>
@@ -4193,7 +4566,7 @@
 </p:sld>
 </file>
 
-<file path=ppt/slides/slide3.xml><?xml version="1.0" encoding="utf-8"?>
+<file path=ppt/slides/slide4.xml><?xml version="1.0" encoding="utf-8"?>
 <p:sld xmlns:a="http://schemas.openxmlformats.org/drawingml/2006/main" xmlns:r="http://schemas.openxmlformats.org/officeDocument/2006/relationships" xmlns:p="http://schemas.openxmlformats.org/presentationml/2006/main">
   <p:cSld>
     <p:bg>

--- a/docs/logo/OmegaLogo.pptx
+++ b/docs/logo/OmegaLogo.pptx
@@ -6,9 +6,10 @@
   </p:sldMasterIdLst>
   <p:sldIdLst>
     <p:sldId id="256" r:id="rId2"/>
-    <p:sldId id="259" r:id="rId3"/>
-    <p:sldId id="258" r:id="rId4"/>
-    <p:sldId id="257" r:id="rId5"/>
+    <p:sldId id="260" r:id="rId3"/>
+    <p:sldId id="259" r:id="rId4"/>
+    <p:sldId id="258" r:id="rId5"/>
+    <p:sldId id="257" r:id="rId6"/>
   </p:sldIdLst>
   <p:sldSz cx="9144000" cy="6858000" type="screen4x3"/>
   <p:notesSz cx="6858000" cy="9144000"/>
@@ -291,7 +292,7 @@
           <a:p>
             <a:fld id="{76C55591-6D1B-49CB-8597-9F26E42D6901}" type="datetimeFigureOut">
               <a:rPr lang="en-US" smtClean="0"/>
-              <a:t>8/9/2012</a:t>
+              <a:t>1/16/2013</a:t>
             </a:fld>
             <a:endParaRPr lang="en-US"/>
           </a:p>
@@ -461,7 +462,7 @@
           <a:p>
             <a:fld id="{76C55591-6D1B-49CB-8597-9F26E42D6901}" type="datetimeFigureOut">
               <a:rPr lang="en-US" smtClean="0"/>
-              <a:t>8/9/2012</a:t>
+              <a:t>1/16/2013</a:t>
             </a:fld>
             <a:endParaRPr lang="en-US"/>
           </a:p>
@@ -641,7 +642,7 @@
           <a:p>
             <a:fld id="{76C55591-6D1B-49CB-8597-9F26E42D6901}" type="datetimeFigureOut">
               <a:rPr lang="en-US" smtClean="0"/>
-              <a:t>8/9/2012</a:t>
+              <a:t>1/16/2013</a:t>
             </a:fld>
             <a:endParaRPr lang="en-US"/>
           </a:p>
@@ -811,7 +812,7 @@
           <a:p>
             <a:fld id="{76C55591-6D1B-49CB-8597-9F26E42D6901}" type="datetimeFigureOut">
               <a:rPr lang="en-US" smtClean="0"/>
-              <a:t>8/9/2012</a:t>
+              <a:t>1/16/2013</a:t>
             </a:fld>
             <a:endParaRPr lang="en-US"/>
           </a:p>
@@ -1057,7 +1058,7 @@
           <a:p>
             <a:fld id="{76C55591-6D1B-49CB-8597-9F26E42D6901}" type="datetimeFigureOut">
               <a:rPr lang="en-US" smtClean="0"/>
-              <a:t>8/9/2012</a:t>
+              <a:t>1/16/2013</a:t>
             </a:fld>
             <a:endParaRPr lang="en-US"/>
           </a:p>
@@ -1345,7 +1346,7 @@
           <a:p>
             <a:fld id="{76C55591-6D1B-49CB-8597-9F26E42D6901}" type="datetimeFigureOut">
               <a:rPr lang="en-US" smtClean="0"/>
-              <a:t>8/9/2012</a:t>
+              <a:t>1/16/2013</a:t>
             </a:fld>
             <a:endParaRPr lang="en-US"/>
           </a:p>
@@ -1767,7 +1768,7 @@
           <a:p>
             <a:fld id="{76C55591-6D1B-49CB-8597-9F26E42D6901}" type="datetimeFigureOut">
               <a:rPr lang="en-US" smtClean="0"/>
-              <a:t>8/9/2012</a:t>
+              <a:t>1/16/2013</a:t>
             </a:fld>
             <a:endParaRPr lang="en-US"/>
           </a:p>
@@ -1885,7 +1886,7 @@
           <a:p>
             <a:fld id="{76C55591-6D1B-49CB-8597-9F26E42D6901}" type="datetimeFigureOut">
               <a:rPr lang="en-US" smtClean="0"/>
-              <a:t>8/9/2012</a:t>
+              <a:t>1/16/2013</a:t>
             </a:fld>
             <a:endParaRPr lang="en-US"/>
           </a:p>
@@ -1980,7 +1981,7 @@
           <a:p>
             <a:fld id="{76C55591-6D1B-49CB-8597-9F26E42D6901}" type="datetimeFigureOut">
               <a:rPr lang="en-US" smtClean="0"/>
-              <a:t>8/9/2012</a:t>
+              <a:t>1/16/2013</a:t>
             </a:fld>
             <a:endParaRPr lang="en-US"/>
           </a:p>
@@ -2257,7 +2258,7 @@
           <a:p>
             <a:fld id="{76C55591-6D1B-49CB-8597-9F26E42D6901}" type="datetimeFigureOut">
               <a:rPr lang="en-US" smtClean="0"/>
-              <a:t>8/9/2012</a:t>
+              <a:t>1/16/2013</a:t>
             </a:fld>
             <a:endParaRPr lang="en-US"/>
           </a:p>
@@ -2510,7 +2511,7 @@
           <a:p>
             <a:fld id="{76C55591-6D1B-49CB-8597-9F26E42D6901}" type="datetimeFigureOut">
               <a:rPr lang="en-US" smtClean="0"/>
-              <a:t>8/9/2012</a:t>
+              <a:t>1/16/2013</a:t>
             </a:fld>
             <a:endParaRPr lang="en-US"/>
           </a:p>
@@ -2723,7 +2724,7 @@
           <a:p>
             <a:fld id="{76C55591-6D1B-49CB-8597-9F26E42D6901}" type="datetimeFigureOut">
               <a:rPr lang="en-US" smtClean="0"/>
-              <a:t>8/9/2012</a:t>
+              <a:t>1/16/2013</a:t>
             </a:fld>
             <a:endParaRPr lang="en-US"/>
           </a:p>
@@ -3647,57 +3648,415 @@
           <a:chExt cx="0" cy="0"/>
         </a:xfrm>
       </p:grpSpPr>
-      <p:sp>
-        <p:nvSpPr>
-          <p:cNvPr id="8" name="Arc 7"/>
+      <p:grpSp>
+        <p:nvGrpSpPr>
+          <p:cNvPr id="3" name="Group 2"/>
+          <p:cNvGrpSpPr/>
+          <p:nvPr/>
+        </p:nvGrpSpPr>
+        <p:grpSpPr>
+          <a:xfrm>
+            <a:off x="1824703" y="1900807"/>
+            <a:ext cx="3049170" cy="2004615"/>
+            <a:chOff x="2133600" y="2172245"/>
+            <a:chExt cx="3049170" cy="2004615"/>
+          </a:xfrm>
+          <a:effectLst>
+            <a:reflection stA="50000" endA="275" endPos="24000" dir="5400000" sy="-100000" algn="bl" rotWithShape="0"/>
+          </a:effectLst>
+        </p:grpSpPr>
+        <p:cxnSp>
+          <p:nvCxnSpPr>
+            <p:cNvPr id="5" name="Straight Connector 4"/>
+            <p:cNvCxnSpPr/>
+            <p:nvPr/>
+          </p:nvCxnSpPr>
+          <p:spPr>
+            <a:xfrm>
+              <a:off x="2133600" y="3983767"/>
+              <a:ext cx="838200" cy="0"/>
+            </a:xfrm>
+            <a:prstGeom prst="line">
+              <a:avLst/>
+            </a:prstGeom>
+            <a:ln w="260350" cap="rnd" cmpd="sng">
+              <a:solidFill>
+                <a:schemeClr val="accent3"/>
+              </a:solidFill>
+              <a:round/>
+              <a:tailEnd type="none" w="sm" len="sm"/>
+            </a:ln>
+            <a:effectLst/>
+            <a:scene3d>
+              <a:camera prst="orthographicFront"/>
+              <a:lightRig rig="threePt" dir="t"/>
+            </a:scene3d>
+            <a:sp3d extrusionH="76200" prstMaterial="dkEdge">
+              <a:bevelB w="114300" prst="hardEdge"/>
+              <a:extrusionClr>
+                <a:schemeClr val="bg1"/>
+              </a:extrusionClr>
+            </a:sp3d>
+          </p:spPr>
+          <p:style>
+            <a:lnRef idx="3">
+              <a:schemeClr val="accent3"/>
+            </a:lnRef>
+            <a:fillRef idx="0">
+              <a:schemeClr val="accent3"/>
+            </a:fillRef>
+            <a:effectRef idx="2">
+              <a:schemeClr val="accent3"/>
+            </a:effectRef>
+            <a:fontRef idx="minor">
+              <a:schemeClr val="tx1"/>
+            </a:fontRef>
+          </p:style>
+        </p:cxnSp>
+        <p:sp>
+          <p:nvSpPr>
+            <p:cNvPr id="8" name="Arc 7"/>
+            <p:cNvSpPr/>
+            <p:nvPr/>
+          </p:nvSpPr>
+          <p:spPr>
+            <a:xfrm rot="16200000">
+              <a:off x="2540063" y="2146784"/>
+              <a:ext cx="1892175" cy="1943098"/>
+            </a:xfrm>
+            <a:prstGeom prst="arc">
+              <a:avLst>
+                <a:gd name="adj1" fmla="val 12236703"/>
+                <a:gd name="adj2" fmla="val 4295368"/>
+              </a:avLst>
+            </a:prstGeom>
+            <a:ln w="260350" cap="rnd" cmpd="sng">
+              <a:solidFill>
+                <a:schemeClr val="accent3"/>
+              </a:solidFill>
+              <a:round/>
+              <a:tailEnd type="none" w="sm" len="sm"/>
+            </a:ln>
+            <a:effectLst/>
+            <a:scene3d>
+              <a:camera prst="orthographicFront"/>
+              <a:lightRig rig="threePt" dir="t"/>
+            </a:scene3d>
+            <a:sp3d extrusionH="76200" prstMaterial="dkEdge">
+              <a:bevelB w="114300" prst="hardEdge"/>
+              <a:extrusionClr>
+                <a:schemeClr val="bg1"/>
+              </a:extrusionClr>
+            </a:sp3d>
+          </p:spPr>
+          <p:style>
+            <a:lnRef idx="3">
+              <a:schemeClr val="accent3"/>
+            </a:lnRef>
+            <a:fillRef idx="0">
+              <a:schemeClr val="accent3"/>
+            </a:fillRef>
+            <a:effectRef idx="2">
+              <a:schemeClr val="accent3"/>
+            </a:effectRef>
+            <a:fontRef idx="minor">
+              <a:schemeClr val="tx1"/>
+            </a:fontRef>
+          </p:style>
+          <p:txBody>
+            <a:bodyPr rtlCol="0" anchor="ctr"/>
+            <a:lstStyle/>
+            <a:p>
+              <a:pPr algn="ctr"/>
+              <a:endParaRPr lang="en-US"/>
+            </a:p>
+          </p:txBody>
+        </p:sp>
+        <p:sp>
+          <p:nvSpPr>
+            <p:cNvPr id="9" name="Arc 8"/>
+            <p:cNvSpPr/>
+            <p:nvPr/>
+          </p:nvSpPr>
+          <p:spPr>
+            <a:xfrm rot="16200000">
+              <a:off x="2756038" y="2303173"/>
+              <a:ext cx="1757054" cy="1708880"/>
+            </a:xfrm>
+            <a:prstGeom prst="arc">
+              <a:avLst>
+                <a:gd name="adj1" fmla="val 6798800"/>
+                <a:gd name="adj2" fmla="val 9563397"/>
+              </a:avLst>
+            </a:prstGeom>
+            <a:ln w="260350" cap="rnd"/>
+            <a:effectLst/>
+          </p:spPr>
+          <p:style>
+            <a:lnRef idx="3">
+              <a:schemeClr val="accent1"/>
+            </a:lnRef>
+            <a:fillRef idx="0">
+              <a:schemeClr val="accent1"/>
+            </a:fillRef>
+            <a:effectRef idx="2">
+              <a:schemeClr val="accent1"/>
+            </a:effectRef>
+            <a:fontRef idx="minor">
+              <a:schemeClr val="tx1"/>
+            </a:fontRef>
+          </p:style>
+          <p:txBody>
+            <a:bodyPr rtlCol="0" anchor="ctr"/>
+            <a:lstStyle/>
+            <a:p>
+              <a:pPr algn="ctr"/>
+              <a:endParaRPr lang="en-US"/>
+            </a:p>
+          </p:txBody>
+        </p:sp>
+        <p:cxnSp>
+          <p:nvCxnSpPr>
+            <p:cNvPr id="10" name="Straight Connector 9"/>
+            <p:cNvCxnSpPr/>
+            <p:nvPr/>
+          </p:nvCxnSpPr>
+          <p:spPr>
+            <a:xfrm>
+              <a:off x="3982038" y="3983766"/>
+              <a:ext cx="838200" cy="0"/>
+            </a:xfrm>
+            <a:prstGeom prst="line">
+              <a:avLst/>
+            </a:prstGeom>
+            <a:ln w="260350" cap="rnd"/>
+            <a:effectLst/>
+          </p:spPr>
+          <p:style>
+            <a:lnRef idx="3">
+              <a:schemeClr val="accent1"/>
+            </a:lnRef>
+            <a:fillRef idx="0">
+              <a:schemeClr val="accent1"/>
+            </a:fillRef>
+            <a:effectRef idx="2">
+              <a:schemeClr val="accent1"/>
+            </a:effectRef>
+            <a:fontRef idx="minor">
+              <a:schemeClr val="tx1"/>
+            </a:fontRef>
+          </p:style>
+        </p:cxnSp>
+        <p:cxnSp>
+          <p:nvCxnSpPr>
+            <p:cNvPr id="15" name="Straight Connector 14"/>
+            <p:cNvCxnSpPr/>
+            <p:nvPr/>
+          </p:nvCxnSpPr>
+          <p:spPr>
+            <a:xfrm>
+              <a:off x="3982038" y="2806988"/>
+              <a:ext cx="419100" cy="0"/>
+            </a:xfrm>
+            <a:prstGeom prst="line">
+              <a:avLst/>
+            </a:prstGeom>
+            <a:ln w="260350" cap="rnd" cmpd="sng">
+              <a:solidFill>
+                <a:schemeClr val="accent3"/>
+              </a:solidFill>
+              <a:round/>
+              <a:tailEnd type="none" w="sm" len="sm"/>
+            </a:ln>
+            <a:effectLst/>
+            <a:scene3d>
+              <a:camera prst="orthographicFront"/>
+              <a:lightRig rig="threePt" dir="t"/>
+            </a:scene3d>
+            <a:sp3d extrusionH="76200" prstMaterial="dkEdge">
+              <a:bevelB w="114300" prst="hardEdge"/>
+              <a:extrusionClr>
+                <a:schemeClr val="bg1"/>
+              </a:extrusionClr>
+            </a:sp3d>
+          </p:spPr>
+          <p:style>
+            <a:lnRef idx="3">
+              <a:schemeClr val="accent3"/>
+            </a:lnRef>
+            <a:fillRef idx="0">
+              <a:schemeClr val="accent3"/>
+            </a:fillRef>
+            <a:effectRef idx="2">
+              <a:schemeClr val="accent3"/>
+            </a:effectRef>
+            <a:fontRef idx="minor">
+              <a:schemeClr val="tx1"/>
+            </a:fontRef>
+          </p:style>
+        </p:cxnSp>
+        <p:cxnSp>
+          <p:nvCxnSpPr>
+            <p:cNvPr id="17" name="Straight Connector 16"/>
+            <p:cNvCxnSpPr/>
+            <p:nvPr/>
+          </p:nvCxnSpPr>
+          <p:spPr>
+            <a:xfrm>
+              <a:off x="3982038" y="2360786"/>
+              <a:ext cx="0" cy="386499"/>
+            </a:xfrm>
+            <a:prstGeom prst="line">
+              <a:avLst/>
+            </a:prstGeom>
+            <a:ln w="260350" cap="rnd" cmpd="sng">
+              <a:solidFill>
+                <a:schemeClr val="accent3"/>
+              </a:solidFill>
+              <a:round/>
+              <a:tailEnd type="none" w="sm" len="sm"/>
+            </a:ln>
+            <a:effectLst/>
+            <a:scene3d>
+              <a:camera prst="orthographicFront"/>
+              <a:lightRig rig="threePt" dir="t"/>
+            </a:scene3d>
+            <a:sp3d extrusionH="76200" prstMaterial="dkEdge">
+              <a:bevelB w="114300" prst="hardEdge"/>
+              <a:extrusionClr>
+                <a:schemeClr val="bg1"/>
+              </a:extrusionClr>
+            </a:sp3d>
+          </p:spPr>
+          <p:style>
+            <a:lnRef idx="3">
+              <a:schemeClr val="accent3"/>
+            </a:lnRef>
+            <a:fillRef idx="0">
+              <a:schemeClr val="accent3"/>
+            </a:fillRef>
+            <a:effectRef idx="2">
+              <a:schemeClr val="accent3"/>
+            </a:effectRef>
+            <a:fontRef idx="minor">
+              <a:schemeClr val="tx1"/>
+            </a:fontRef>
+          </p:style>
+        </p:cxnSp>
+        <p:cxnSp>
+          <p:nvCxnSpPr>
+            <p:cNvPr id="22" name="Straight Connector 21"/>
+            <p:cNvCxnSpPr/>
+            <p:nvPr/>
+          </p:nvCxnSpPr>
+          <p:spPr>
+            <a:xfrm>
+              <a:off x="4134438" y="2484903"/>
+              <a:ext cx="0" cy="301658"/>
+            </a:xfrm>
+            <a:prstGeom prst="line">
+              <a:avLst/>
+            </a:prstGeom>
+            <a:ln w="260350" cap="rnd" cmpd="sng">
+              <a:solidFill>
+                <a:schemeClr val="accent3"/>
+              </a:solidFill>
+              <a:round/>
+              <a:tailEnd type="none" w="sm" len="sm"/>
+            </a:ln>
+            <a:effectLst/>
+            <a:scene3d>
+              <a:camera prst="orthographicFront"/>
+              <a:lightRig rig="threePt" dir="t"/>
+            </a:scene3d>
+            <a:sp3d extrusionH="76200" prstMaterial="dkEdge">
+              <a:bevelB w="114300" prst="hardEdge"/>
+              <a:extrusionClr>
+                <a:schemeClr val="bg1"/>
+              </a:extrusionClr>
+            </a:sp3d>
+          </p:spPr>
+          <p:style>
+            <a:lnRef idx="3">
+              <a:schemeClr val="accent3"/>
+            </a:lnRef>
+            <a:fillRef idx="0">
+              <a:schemeClr val="accent3"/>
+            </a:fillRef>
+            <a:effectRef idx="2">
+              <a:schemeClr val="accent3"/>
+            </a:effectRef>
+            <a:fontRef idx="minor">
+              <a:schemeClr val="tx1"/>
+            </a:fontRef>
+          </p:style>
+        </p:cxnSp>
+        <p:sp>
+          <p:nvSpPr>
+            <p:cNvPr id="2" name="TextBox 1"/>
+            <p:cNvSpPr txBox="1"/>
+            <p:nvPr/>
+          </p:nvSpPr>
+          <p:spPr>
+            <a:xfrm>
+              <a:off x="3422352" y="2607200"/>
+              <a:ext cx="1760418" cy="1569660"/>
+            </a:xfrm>
+            <a:prstGeom prst="rect">
+              <a:avLst/>
+            </a:prstGeom>
+            <a:noFill/>
+            <a:effectLst/>
+          </p:spPr>
+          <p:txBody>
+            <a:bodyPr wrap="none" rtlCol="0">
+              <a:spAutoFit/>
+            </a:bodyPr>
+            <a:lstStyle/>
+            <a:p>
+              <a:r>
+                <a:rPr lang="en-US" sz="9600" b="1" dirty="0" smtClean="0"/>
+                <a:t>3.2</a:t>
+              </a:r>
+              <a:endParaRPr lang="en-US" sz="9600" b="1" dirty="0"/>
+            </a:p>
+          </p:txBody>
+        </p:sp>
+      </p:grpSp>
+      <p:sp>
+        <p:nvSpPr>
+          <p:cNvPr id="4" name="Oval 3"/>
           <p:cNvSpPr/>
           <p:nvPr/>
         </p:nvSpPr>
         <p:spPr>
-          <a:xfrm rot="16200000">
-            <a:off x="2540063" y="2146784"/>
-            <a:ext cx="1892175" cy="1943098"/>
-          </a:xfrm>
-          <a:prstGeom prst="arc">
-            <a:avLst>
-              <a:gd name="adj1" fmla="val 12236703"/>
-              <a:gd name="adj2" fmla="val 4295368"/>
-            </a:avLst>
+          <a:xfrm>
+            <a:off x="1644459" y="1480039"/>
+            <a:ext cx="3065585" cy="240323"/>
+          </a:xfrm>
+          <a:prstGeom prst="ellipse">
+            <a:avLst/>
           </a:prstGeom>
-          <a:ln w="260350" cap="rnd" cmpd="sng">
-            <a:solidFill>
-              <a:schemeClr val="tx1">
-                <a:lumMod val="65000"/>
-                <a:lumOff val="35000"/>
-              </a:schemeClr>
-            </a:solidFill>
-            <a:round/>
-            <a:tailEnd type="none" w="sm" len="sm"/>
-          </a:ln>
-          <a:effectLst/>
-          <a:scene3d>
-            <a:camera prst="orthographicFront"/>
-            <a:lightRig rig="threePt" dir="t"/>
-          </a:scene3d>
-          <a:sp3d extrusionH="76200" prstMaterial="dkEdge">
-            <a:bevelB w="114300" prst="hardEdge"/>
-            <a:extrusionClr>
-              <a:schemeClr val="bg1"/>
-            </a:extrusionClr>
-          </a:sp3d>
+          <a:effectLst>
+            <a:outerShdw blurRad="177800" dist="2425700" dir="5400000" sx="90000" sy="-19000" rotWithShape="0">
+              <a:prstClr val="black"/>
+            </a:outerShdw>
+          </a:effectLst>
         </p:spPr>
         <p:style>
-          <a:lnRef idx="3">
-            <a:schemeClr val="accent3"/>
+          <a:lnRef idx="2">
+            <a:schemeClr val="accent1">
+              <a:shade val="50000"/>
+            </a:schemeClr>
           </a:lnRef>
-          <a:fillRef idx="0">
-            <a:schemeClr val="accent3"/>
+          <a:fillRef idx="1">
+            <a:schemeClr val="accent1"/>
           </a:fillRef>
-          <a:effectRef idx="2">
-            <a:schemeClr val="accent3"/>
+          <a:effectRef idx="0">
+            <a:schemeClr val="accent1"/>
           </a:effectRef>
           <a:fontRef idx="minor">
-            <a:schemeClr val="tx1"/>
+            <a:schemeClr val="lt1"/>
           </a:fontRef>
         </p:style>
         <p:txBody>
@@ -3706,286 +4065,13 @@
           <a:p>
             <a:pPr algn="ctr"/>
             <a:endParaRPr lang="en-US"/>
-          </a:p>
-        </p:txBody>
-      </p:sp>
-      <p:cxnSp>
-        <p:nvCxnSpPr>
-          <p:cNvPr id="5" name="Straight Connector 4"/>
-          <p:cNvCxnSpPr/>
-          <p:nvPr/>
-        </p:nvCxnSpPr>
-        <p:spPr>
-          <a:xfrm>
-            <a:off x="2133600" y="3983767"/>
-            <a:ext cx="838200" cy="0"/>
-          </a:xfrm>
-          <a:prstGeom prst="line">
-            <a:avLst/>
-          </a:prstGeom>
-          <a:ln w="260350" cap="rnd" cmpd="sng">
-            <a:solidFill>
-              <a:schemeClr val="tx1">
-                <a:lumMod val="65000"/>
-                <a:lumOff val="35000"/>
-              </a:schemeClr>
-            </a:solidFill>
-            <a:round/>
-            <a:tailEnd type="none" w="sm" len="sm"/>
-          </a:ln>
-          <a:effectLst/>
-          <a:scene3d>
-            <a:camera prst="orthographicFront"/>
-            <a:lightRig rig="threePt" dir="t"/>
-          </a:scene3d>
-          <a:sp3d extrusionH="76200" prstMaterial="dkEdge">
-            <a:bevelB w="114300" prst="hardEdge"/>
-            <a:extrusionClr>
-              <a:schemeClr val="bg1"/>
-            </a:extrusionClr>
-          </a:sp3d>
-        </p:spPr>
-        <p:style>
-          <a:lnRef idx="3">
-            <a:schemeClr val="accent3"/>
-          </a:lnRef>
-          <a:fillRef idx="0">
-            <a:schemeClr val="accent3"/>
-          </a:fillRef>
-          <a:effectRef idx="2">
-            <a:schemeClr val="accent3"/>
-          </a:effectRef>
-          <a:fontRef idx="minor">
-            <a:schemeClr val="tx1"/>
-          </a:fontRef>
-        </p:style>
-      </p:cxnSp>
-      <p:cxnSp>
-        <p:nvCxnSpPr>
-          <p:cNvPr id="15" name="Straight Connector 14"/>
-          <p:cNvCxnSpPr/>
-          <p:nvPr/>
-        </p:nvCxnSpPr>
-        <p:spPr>
-          <a:xfrm>
-            <a:off x="3982038" y="2806988"/>
-            <a:ext cx="419100" cy="0"/>
-          </a:xfrm>
-          <a:prstGeom prst="line">
-            <a:avLst/>
-          </a:prstGeom>
-          <a:ln w="260350" cap="rnd" cmpd="sng">
-            <a:solidFill>
-              <a:schemeClr val="tx1">
-                <a:lumMod val="65000"/>
-                <a:lumOff val="35000"/>
-              </a:schemeClr>
-            </a:solidFill>
-            <a:round/>
-            <a:tailEnd type="none" w="sm" len="sm"/>
-          </a:ln>
-          <a:effectLst/>
-          <a:scene3d>
-            <a:camera prst="orthographicFront"/>
-            <a:lightRig rig="threePt" dir="t"/>
-          </a:scene3d>
-          <a:sp3d extrusionH="76200" prstMaterial="dkEdge">
-            <a:bevelB w="114300" prst="hardEdge"/>
-            <a:extrusionClr>
-              <a:schemeClr val="bg1"/>
-            </a:extrusionClr>
-          </a:sp3d>
-        </p:spPr>
-        <p:style>
-          <a:lnRef idx="3">
-            <a:schemeClr val="accent3"/>
-          </a:lnRef>
-          <a:fillRef idx="0">
-            <a:schemeClr val="accent3"/>
-          </a:fillRef>
-          <a:effectRef idx="2">
-            <a:schemeClr val="accent3"/>
-          </a:effectRef>
-          <a:fontRef idx="minor">
-            <a:schemeClr val="tx1"/>
-          </a:fontRef>
-        </p:style>
-      </p:cxnSp>
-      <p:cxnSp>
-        <p:nvCxnSpPr>
-          <p:cNvPr id="17" name="Straight Connector 16"/>
-          <p:cNvCxnSpPr/>
-          <p:nvPr/>
-        </p:nvCxnSpPr>
-        <p:spPr>
-          <a:xfrm>
-            <a:off x="3982038" y="2360786"/>
-            <a:ext cx="0" cy="386499"/>
-          </a:xfrm>
-          <a:prstGeom prst="line">
-            <a:avLst/>
-          </a:prstGeom>
-          <a:ln w="260350" cap="rnd" cmpd="sng">
-            <a:solidFill>
-              <a:schemeClr val="tx1">
-                <a:lumMod val="65000"/>
-                <a:lumOff val="35000"/>
-              </a:schemeClr>
-            </a:solidFill>
-            <a:round/>
-            <a:tailEnd type="none" w="sm" len="sm"/>
-          </a:ln>
-          <a:effectLst/>
-          <a:scene3d>
-            <a:camera prst="orthographicFront"/>
-            <a:lightRig rig="threePt" dir="t"/>
-          </a:scene3d>
-          <a:sp3d extrusionH="76200" prstMaterial="dkEdge">
-            <a:bevelB w="114300" prst="hardEdge"/>
-            <a:extrusionClr>
-              <a:schemeClr val="bg1"/>
-            </a:extrusionClr>
-          </a:sp3d>
-        </p:spPr>
-        <p:style>
-          <a:lnRef idx="3">
-            <a:schemeClr val="accent3"/>
-          </a:lnRef>
-          <a:fillRef idx="0">
-            <a:schemeClr val="accent3"/>
-          </a:fillRef>
-          <a:effectRef idx="2">
-            <a:schemeClr val="accent3"/>
-          </a:effectRef>
-          <a:fontRef idx="minor">
-            <a:schemeClr val="tx1"/>
-          </a:fontRef>
-        </p:style>
-      </p:cxnSp>
-      <p:cxnSp>
-        <p:nvCxnSpPr>
-          <p:cNvPr id="22" name="Straight Connector 21"/>
-          <p:cNvCxnSpPr/>
-          <p:nvPr/>
-        </p:nvCxnSpPr>
-        <p:spPr>
-          <a:xfrm>
-            <a:off x="4134438" y="2484903"/>
-            <a:ext cx="0" cy="301658"/>
-          </a:xfrm>
-          <a:prstGeom prst="line">
-            <a:avLst/>
-          </a:prstGeom>
-          <a:ln w="260350" cap="rnd" cmpd="sng">
-            <a:solidFill>
-              <a:schemeClr val="tx1">
-                <a:lumMod val="65000"/>
-                <a:lumOff val="35000"/>
-              </a:schemeClr>
-            </a:solidFill>
-            <a:round/>
-            <a:tailEnd type="none" w="sm" len="sm"/>
-          </a:ln>
-          <a:effectLst/>
-          <a:scene3d>
-            <a:camera prst="orthographicFront"/>
-            <a:lightRig rig="threePt" dir="t"/>
-          </a:scene3d>
-          <a:sp3d extrusionH="76200" prstMaterial="dkEdge">
-            <a:bevelB w="114300" prst="hardEdge"/>
-            <a:extrusionClr>
-              <a:schemeClr val="bg1"/>
-            </a:extrusionClr>
-          </a:sp3d>
-        </p:spPr>
-        <p:style>
-          <a:lnRef idx="3">
-            <a:schemeClr val="accent3"/>
-          </a:lnRef>
-          <a:fillRef idx="0">
-            <a:schemeClr val="accent3"/>
-          </a:fillRef>
-          <a:effectRef idx="2">
-            <a:schemeClr val="accent3"/>
-          </a:effectRef>
-          <a:fontRef idx="minor">
-            <a:schemeClr val="tx1"/>
-          </a:fontRef>
-        </p:style>
-      </p:cxnSp>
-      <p:sp>
-        <p:nvSpPr>
-          <p:cNvPr id="2" name="TextBox 1"/>
-          <p:cNvSpPr txBox="1"/>
-          <p:nvPr/>
-        </p:nvSpPr>
-        <p:spPr>
-          <a:xfrm>
-            <a:off x="3220985" y="2088517"/>
-            <a:ext cx="1915909" cy="2646878"/>
-          </a:xfrm>
-          <a:prstGeom prst="rect">
-            <a:avLst/>
-          </a:prstGeom>
-          <a:noFill/>
-          <a:effectLst>
-            <a:outerShdw blurRad="63500" sx="102000" sy="102000" algn="ctr" rotWithShape="0">
-              <a:prstClr val="black">
-                <a:alpha val="40000"/>
-              </a:prstClr>
-            </a:outerShdw>
-          </a:effectLst>
-        </p:spPr>
-        <p:txBody>
-          <a:bodyPr wrap="none" rtlCol="0">
-            <a:spAutoFit/>
-          </a:bodyPr>
-          <a:lstStyle/>
-          <a:p>
-            <a:r>
-              <a:rPr lang="en-US" sz="16600" b="1" dirty="0" smtClean="0">
-                <a:ln w="18415" cmpd="sng">
-                  <a:noFill/>
-                  <a:prstDash val="solid"/>
-                </a:ln>
-                <a:solidFill>
-                  <a:srgbClr val="92D050"/>
-                </a:solidFill>
-                <a:effectLst>
-                  <a:outerShdw blurRad="101600" sx="103000" sy="103000" algn="ctr" rotWithShape="0">
-                    <a:prstClr val="black">
-                      <a:alpha val="80000"/>
-                    </a:prstClr>
-                  </a:outerShdw>
-                </a:effectLst>
-                <a:latin typeface="+mj-lt"/>
-              </a:rPr>
-              <a:t>m</a:t>
-            </a:r>
-            <a:endParaRPr lang="en-US" sz="6600" b="1" dirty="0">
-              <a:ln w="18415" cmpd="sng">
-                <a:noFill/>
-                <a:prstDash val="solid"/>
-              </a:ln>
-              <a:solidFill>
-                <a:srgbClr val="92D050"/>
-              </a:solidFill>
-              <a:effectLst>
-                <a:outerShdw blurRad="101600" sx="103000" sy="103000" algn="ctr" rotWithShape="0">
-                  <a:prstClr val="black">
-                    <a:alpha val="80000"/>
-                  </a:prstClr>
-                </a:outerShdw>
-              </a:effectLst>
-              <a:latin typeface="+mj-lt"/>
-            </a:endParaRPr>
           </a:p>
         </p:txBody>
       </p:sp>
     </p:spTree>
     <p:extLst>
       <p:ext uri="{BB962C8B-B14F-4D97-AF65-F5344CB8AC3E}">
-        <p14:creationId xmlns:p14="http://schemas.microsoft.com/office/powerpoint/2010/main" val="4184847730"/>
+        <p14:creationId xmlns:p14="http://schemas.microsoft.com/office/powerpoint/2010/main" val="2952745800"/>
       </p:ext>
     </p:extLst>
   </p:cSld>
@@ -4019,6 +4105,378 @@
           <a:chExt cx="0" cy="0"/>
         </a:xfrm>
       </p:grpSpPr>
+      <p:sp>
+        <p:nvSpPr>
+          <p:cNvPr id="8" name="Arc 7"/>
+          <p:cNvSpPr/>
+          <p:nvPr/>
+        </p:nvSpPr>
+        <p:spPr>
+          <a:xfrm rot="16200000">
+            <a:off x="2540063" y="2146784"/>
+            <a:ext cx="1892175" cy="1943098"/>
+          </a:xfrm>
+          <a:prstGeom prst="arc">
+            <a:avLst>
+              <a:gd name="adj1" fmla="val 12236703"/>
+              <a:gd name="adj2" fmla="val 4295368"/>
+            </a:avLst>
+          </a:prstGeom>
+          <a:ln w="260350" cap="rnd" cmpd="sng">
+            <a:solidFill>
+              <a:schemeClr val="tx1">
+                <a:lumMod val="65000"/>
+                <a:lumOff val="35000"/>
+              </a:schemeClr>
+            </a:solidFill>
+            <a:round/>
+            <a:tailEnd type="none" w="sm" len="sm"/>
+          </a:ln>
+          <a:effectLst/>
+          <a:scene3d>
+            <a:camera prst="orthographicFront"/>
+            <a:lightRig rig="threePt" dir="t"/>
+          </a:scene3d>
+          <a:sp3d extrusionH="76200" prstMaterial="dkEdge">
+            <a:bevelB w="114300" prst="hardEdge"/>
+            <a:extrusionClr>
+              <a:schemeClr val="bg1"/>
+            </a:extrusionClr>
+          </a:sp3d>
+        </p:spPr>
+        <p:style>
+          <a:lnRef idx="3">
+            <a:schemeClr val="accent3"/>
+          </a:lnRef>
+          <a:fillRef idx="0">
+            <a:schemeClr val="accent3"/>
+          </a:fillRef>
+          <a:effectRef idx="2">
+            <a:schemeClr val="accent3"/>
+          </a:effectRef>
+          <a:fontRef idx="minor">
+            <a:schemeClr val="tx1"/>
+          </a:fontRef>
+        </p:style>
+        <p:txBody>
+          <a:bodyPr rtlCol="0" anchor="ctr"/>
+          <a:lstStyle/>
+          <a:p>
+            <a:pPr algn="ctr"/>
+            <a:endParaRPr lang="en-US"/>
+          </a:p>
+        </p:txBody>
+      </p:sp>
+      <p:cxnSp>
+        <p:nvCxnSpPr>
+          <p:cNvPr id="5" name="Straight Connector 4"/>
+          <p:cNvCxnSpPr/>
+          <p:nvPr/>
+        </p:nvCxnSpPr>
+        <p:spPr>
+          <a:xfrm>
+            <a:off x="2133600" y="3983767"/>
+            <a:ext cx="838200" cy="0"/>
+          </a:xfrm>
+          <a:prstGeom prst="line">
+            <a:avLst/>
+          </a:prstGeom>
+          <a:ln w="260350" cap="rnd" cmpd="sng">
+            <a:solidFill>
+              <a:schemeClr val="tx1">
+                <a:lumMod val="65000"/>
+                <a:lumOff val="35000"/>
+              </a:schemeClr>
+            </a:solidFill>
+            <a:round/>
+            <a:tailEnd type="none" w="sm" len="sm"/>
+          </a:ln>
+          <a:effectLst/>
+          <a:scene3d>
+            <a:camera prst="orthographicFront"/>
+            <a:lightRig rig="threePt" dir="t"/>
+          </a:scene3d>
+          <a:sp3d extrusionH="76200" prstMaterial="dkEdge">
+            <a:bevelB w="114300" prst="hardEdge"/>
+            <a:extrusionClr>
+              <a:schemeClr val="bg1"/>
+            </a:extrusionClr>
+          </a:sp3d>
+        </p:spPr>
+        <p:style>
+          <a:lnRef idx="3">
+            <a:schemeClr val="accent3"/>
+          </a:lnRef>
+          <a:fillRef idx="0">
+            <a:schemeClr val="accent3"/>
+          </a:fillRef>
+          <a:effectRef idx="2">
+            <a:schemeClr val="accent3"/>
+          </a:effectRef>
+          <a:fontRef idx="minor">
+            <a:schemeClr val="tx1"/>
+          </a:fontRef>
+        </p:style>
+      </p:cxnSp>
+      <p:cxnSp>
+        <p:nvCxnSpPr>
+          <p:cNvPr id="15" name="Straight Connector 14"/>
+          <p:cNvCxnSpPr/>
+          <p:nvPr/>
+        </p:nvCxnSpPr>
+        <p:spPr>
+          <a:xfrm>
+            <a:off x="3982038" y="2806988"/>
+            <a:ext cx="419100" cy="0"/>
+          </a:xfrm>
+          <a:prstGeom prst="line">
+            <a:avLst/>
+          </a:prstGeom>
+          <a:ln w="260350" cap="rnd" cmpd="sng">
+            <a:solidFill>
+              <a:schemeClr val="tx1">
+                <a:lumMod val="65000"/>
+                <a:lumOff val="35000"/>
+              </a:schemeClr>
+            </a:solidFill>
+            <a:round/>
+            <a:tailEnd type="none" w="sm" len="sm"/>
+          </a:ln>
+          <a:effectLst/>
+          <a:scene3d>
+            <a:camera prst="orthographicFront"/>
+            <a:lightRig rig="threePt" dir="t"/>
+          </a:scene3d>
+          <a:sp3d extrusionH="76200" prstMaterial="dkEdge">
+            <a:bevelB w="114300" prst="hardEdge"/>
+            <a:extrusionClr>
+              <a:schemeClr val="bg1"/>
+            </a:extrusionClr>
+          </a:sp3d>
+        </p:spPr>
+        <p:style>
+          <a:lnRef idx="3">
+            <a:schemeClr val="accent3"/>
+          </a:lnRef>
+          <a:fillRef idx="0">
+            <a:schemeClr val="accent3"/>
+          </a:fillRef>
+          <a:effectRef idx="2">
+            <a:schemeClr val="accent3"/>
+          </a:effectRef>
+          <a:fontRef idx="minor">
+            <a:schemeClr val="tx1"/>
+          </a:fontRef>
+        </p:style>
+      </p:cxnSp>
+      <p:cxnSp>
+        <p:nvCxnSpPr>
+          <p:cNvPr id="17" name="Straight Connector 16"/>
+          <p:cNvCxnSpPr/>
+          <p:nvPr/>
+        </p:nvCxnSpPr>
+        <p:spPr>
+          <a:xfrm>
+            <a:off x="3982038" y="2360786"/>
+            <a:ext cx="0" cy="386499"/>
+          </a:xfrm>
+          <a:prstGeom prst="line">
+            <a:avLst/>
+          </a:prstGeom>
+          <a:ln w="260350" cap="rnd" cmpd="sng">
+            <a:solidFill>
+              <a:schemeClr val="tx1">
+                <a:lumMod val="65000"/>
+                <a:lumOff val="35000"/>
+              </a:schemeClr>
+            </a:solidFill>
+            <a:round/>
+            <a:tailEnd type="none" w="sm" len="sm"/>
+          </a:ln>
+          <a:effectLst/>
+          <a:scene3d>
+            <a:camera prst="orthographicFront"/>
+            <a:lightRig rig="threePt" dir="t"/>
+          </a:scene3d>
+          <a:sp3d extrusionH="76200" prstMaterial="dkEdge">
+            <a:bevelB w="114300" prst="hardEdge"/>
+            <a:extrusionClr>
+              <a:schemeClr val="bg1"/>
+            </a:extrusionClr>
+          </a:sp3d>
+        </p:spPr>
+        <p:style>
+          <a:lnRef idx="3">
+            <a:schemeClr val="accent3"/>
+          </a:lnRef>
+          <a:fillRef idx="0">
+            <a:schemeClr val="accent3"/>
+          </a:fillRef>
+          <a:effectRef idx="2">
+            <a:schemeClr val="accent3"/>
+          </a:effectRef>
+          <a:fontRef idx="minor">
+            <a:schemeClr val="tx1"/>
+          </a:fontRef>
+        </p:style>
+      </p:cxnSp>
+      <p:cxnSp>
+        <p:nvCxnSpPr>
+          <p:cNvPr id="22" name="Straight Connector 21"/>
+          <p:cNvCxnSpPr/>
+          <p:nvPr/>
+        </p:nvCxnSpPr>
+        <p:spPr>
+          <a:xfrm>
+            <a:off x="4134438" y="2484903"/>
+            <a:ext cx="0" cy="301658"/>
+          </a:xfrm>
+          <a:prstGeom prst="line">
+            <a:avLst/>
+          </a:prstGeom>
+          <a:ln w="260350" cap="rnd" cmpd="sng">
+            <a:solidFill>
+              <a:schemeClr val="tx1">
+                <a:lumMod val="65000"/>
+                <a:lumOff val="35000"/>
+              </a:schemeClr>
+            </a:solidFill>
+            <a:round/>
+            <a:tailEnd type="none" w="sm" len="sm"/>
+          </a:ln>
+          <a:effectLst/>
+          <a:scene3d>
+            <a:camera prst="orthographicFront"/>
+            <a:lightRig rig="threePt" dir="t"/>
+          </a:scene3d>
+          <a:sp3d extrusionH="76200" prstMaterial="dkEdge">
+            <a:bevelB w="114300" prst="hardEdge"/>
+            <a:extrusionClr>
+              <a:schemeClr val="bg1"/>
+            </a:extrusionClr>
+          </a:sp3d>
+        </p:spPr>
+        <p:style>
+          <a:lnRef idx="3">
+            <a:schemeClr val="accent3"/>
+          </a:lnRef>
+          <a:fillRef idx="0">
+            <a:schemeClr val="accent3"/>
+          </a:fillRef>
+          <a:effectRef idx="2">
+            <a:schemeClr val="accent3"/>
+          </a:effectRef>
+          <a:fontRef idx="minor">
+            <a:schemeClr val="tx1"/>
+          </a:fontRef>
+        </p:style>
+      </p:cxnSp>
+      <p:sp>
+        <p:nvSpPr>
+          <p:cNvPr id="2" name="TextBox 1"/>
+          <p:cNvSpPr txBox="1"/>
+          <p:nvPr/>
+        </p:nvSpPr>
+        <p:spPr>
+          <a:xfrm>
+            <a:off x="3220985" y="2088517"/>
+            <a:ext cx="1915909" cy="2646878"/>
+          </a:xfrm>
+          <a:prstGeom prst="rect">
+            <a:avLst/>
+          </a:prstGeom>
+          <a:noFill/>
+          <a:effectLst>
+            <a:outerShdw blurRad="63500" sx="102000" sy="102000" algn="ctr" rotWithShape="0">
+              <a:prstClr val="black">
+                <a:alpha val="40000"/>
+              </a:prstClr>
+            </a:outerShdw>
+          </a:effectLst>
+        </p:spPr>
+        <p:txBody>
+          <a:bodyPr wrap="none" rtlCol="0">
+            <a:spAutoFit/>
+          </a:bodyPr>
+          <a:lstStyle/>
+          <a:p>
+            <a:r>
+              <a:rPr lang="en-US" sz="16600" b="1" dirty="0" smtClean="0">
+                <a:ln w="18415" cmpd="sng">
+                  <a:noFill/>
+                  <a:prstDash val="solid"/>
+                </a:ln>
+                <a:solidFill>
+                  <a:srgbClr val="92D050"/>
+                </a:solidFill>
+                <a:effectLst>
+                  <a:outerShdw blurRad="101600" sx="103000" sy="103000" algn="ctr" rotWithShape="0">
+                    <a:prstClr val="black">
+                      <a:alpha val="80000"/>
+                    </a:prstClr>
+                  </a:outerShdw>
+                </a:effectLst>
+                <a:latin typeface="+mj-lt"/>
+              </a:rPr>
+              <a:t>m</a:t>
+            </a:r>
+            <a:endParaRPr lang="en-US" sz="6600" b="1" dirty="0">
+              <a:ln w="18415" cmpd="sng">
+                <a:noFill/>
+                <a:prstDash val="solid"/>
+              </a:ln>
+              <a:solidFill>
+                <a:srgbClr val="92D050"/>
+              </a:solidFill>
+              <a:effectLst>
+                <a:outerShdw blurRad="101600" sx="103000" sy="103000" algn="ctr" rotWithShape="0">
+                  <a:prstClr val="black">
+                    <a:alpha val="80000"/>
+                  </a:prstClr>
+                </a:outerShdw>
+              </a:effectLst>
+              <a:latin typeface="+mj-lt"/>
+            </a:endParaRPr>
+          </a:p>
+        </p:txBody>
+      </p:sp>
+    </p:spTree>
+    <p:extLst>
+      <p:ext uri="{BB962C8B-B14F-4D97-AF65-F5344CB8AC3E}">
+        <p14:creationId xmlns:p14="http://schemas.microsoft.com/office/powerpoint/2010/main" val="4184847730"/>
+      </p:ext>
+    </p:extLst>
+  </p:cSld>
+  <p:clrMapOvr>
+    <a:masterClrMapping/>
+  </p:clrMapOvr>
+  <p:timing>
+    <p:tnLst>
+      <p:par>
+        <p:cTn id="1" dur="indefinite" restart="never" nodeType="tmRoot"/>
+      </p:par>
+    </p:tnLst>
+  </p:timing>
+</p:sld>
+</file>
+
+<file path=ppt/slides/slide4.xml><?xml version="1.0" encoding="utf-8"?>
+<p:sld xmlns:a="http://schemas.openxmlformats.org/drawingml/2006/main" xmlns:r="http://schemas.openxmlformats.org/officeDocument/2006/relationships" xmlns:p="http://schemas.openxmlformats.org/presentationml/2006/main">
+  <p:cSld>
+    <p:spTree>
+      <p:nvGrpSpPr>
+        <p:cNvPr id="1" name=""/>
+        <p:cNvGrpSpPr/>
+        <p:nvPr/>
+      </p:nvGrpSpPr>
+      <p:grpSpPr>
+        <a:xfrm>
+          <a:off x="0" y="0"/>
+          <a:ext cx="0" cy="0"/>
+          <a:chOff x="0" y="0"/>
+          <a:chExt cx="0" cy="0"/>
+        </a:xfrm>
+      </p:grpSpPr>
       <p:cxnSp>
         <p:nvCxnSpPr>
           <p:cNvPr id="5" name="Straight Connector 4"/>
@@ -4566,7 +5024,7 @@
 </p:sld>
 </file>
 
-<file path=ppt/slides/slide4.xml><?xml version="1.0" encoding="utf-8"?>
+<file path=ppt/slides/slide5.xml><?xml version="1.0" encoding="utf-8"?>
 <p:sld xmlns:a="http://schemas.openxmlformats.org/drawingml/2006/main" xmlns:r="http://schemas.openxmlformats.org/officeDocument/2006/relationships" xmlns:p="http://schemas.openxmlformats.org/presentationml/2006/main">
   <p:cSld>
     <p:bg>

--- a/docs/logo/OmegaLogo.pptx
+++ b/docs/logo/OmegaLogo.pptx
@@ -292,7 +292,7 @@
           <a:p>
             <a:fld id="{76C55591-6D1B-49CB-8597-9F26E42D6901}" type="datetimeFigureOut">
               <a:rPr lang="en-US" smtClean="0"/>
-              <a:t>1/16/2013</a:t>
+              <a:t>3/5/2013</a:t>
             </a:fld>
             <a:endParaRPr lang="en-US"/>
           </a:p>
@@ -462,7 +462,7 @@
           <a:p>
             <a:fld id="{76C55591-6D1B-49CB-8597-9F26E42D6901}" type="datetimeFigureOut">
               <a:rPr lang="en-US" smtClean="0"/>
-              <a:t>1/16/2013</a:t>
+              <a:t>3/5/2013</a:t>
             </a:fld>
             <a:endParaRPr lang="en-US"/>
           </a:p>
@@ -642,7 +642,7 @@
           <a:p>
             <a:fld id="{76C55591-6D1B-49CB-8597-9F26E42D6901}" type="datetimeFigureOut">
               <a:rPr lang="en-US" smtClean="0"/>
-              <a:t>1/16/2013</a:t>
+              <a:t>3/5/2013</a:t>
             </a:fld>
             <a:endParaRPr lang="en-US"/>
           </a:p>
@@ -812,7 +812,7 @@
           <a:p>
             <a:fld id="{76C55591-6D1B-49CB-8597-9F26E42D6901}" type="datetimeFigureOut">
               <a:rPr lang="en-US" smtClean="0"/>
-              <a:t>1/16/2013</a:t>
+              <a:t>3/5/2013</a:t>
             </a:fld>
             <a:endParaRPr lang="en-US"/>
           </a:p>
@@ -1058,7 +1058,7 @@
           <a:p>
             <a:fld id="{76C55591-6D1B-49CB-8597-9F26E42D6901}" type="datetimeFigureOut">
               <a:rPr lang="en-US" smtClean="0"/>
-              <a:t>1/16/2013</a:t>
+              <a:t>3/5/2013</a:t>
             </a:fld>
             <a:endParaRPr lang="en-US"/>
           </a:p>
@@ -1346,7 +1346,7 @@
           <a:p>
             <a:fld id="{76C55591-6D1B-49CB-8597-9F26E42D6901}" type="datetimeFigureOut">
               <a:rPr lang="en-US" smtClean="0"/>
-              <a:t>1/16/2013</a:t>
+              <a:t>3/5/2013</a:t>
             </a:fld>
             <a:endParaRPr lang="en-US"/>
           </a:p>
@@ -1768,7 +1768,7 @@
           <a:p>
             <a:fld id="{76C55591-6D1B-49CB-8597-9F26E42D6901}" type="datetimeFigureOut">
               <a:rPr lang="en-US" smtClean="0"/>
-              <a:t>1/16/2013</a:t>
+              <a:t>3/5/2013</a:t>
             </a:fld>
             <a:endParaRPr lang="en-US"/>
           </a:p>
@@ -1886,7 +1886,7 @@
           <a:p>
             <a:fld id="{76C55591-6D1B-49CB-8597-9F26E42D6901}" type="datetimeFigureOut">
               <a:rPr lang="en-US" smtClean="0"/>
-              <a:t>1/16/2013</a:t>
+              <a:t>3/5/2013</a:t>
             </a:fld>
             <a:endParaRPr lang="en-US"/>
           </a:p>
@@ -1981,7 +1981,7 @@
           <a:p>
             <a:fld id="{76C55591-6D1B-49CB-8597-9F26E42D6901}" type="datetimeFigureOut">
               <a:rPr lang="en-US" smtClean="0"/>
-              <a:t>1/16/2013</a:t>
+              <a:t>3/5/2013</a:t>
             </a:fld>
             <a:endParaRPr lang="en-US"/>
           </a:p>
@@ -2258,7 +2258,7 @@
           <a:p>
             <a:fld id="{76C55591-6D1B-49CB-8597-9F26E42D6901}" type="datetimeFigureOut">
               <a:rPr lang="en-US" smtClean="0"/>
-              <a:t>1/16/2013</a:t>
+              <a:t>3/5/2013</a:t>
             </a:fld>
             <a:endParaRPr lang="en-US"/>
           </a:p>
@@ -2511,7 +2511,7 @@
           <a:p>
             <a:fld id="{76C55591-6D1B-49CB-8597-9F26E42D6901}" type="datetimeFigureOut">
               <a:rPr lang="en-US" smtClean="0"/>
-              <a:t>1/16/2013</a:t>
+              <a:t>3/5/2013</a:t>
             </a:fld>
             <a:endParaRPr lang="en-US"/>
           </a:p>
@@ -2724,7 +2724,7 @@
           <a:p>
             <a:fld id="{76C55591-6D1B-49CB-8597-9F26E42D6901}" type="datetimeFigureOut">
               <a:rPr lang="en-US" smtClean="0"/>
-              <a:t>1/16/2013</a:t>
+              <a:t>3/5/2013</a:t>
             </a:fld>
             <a:endParaRPr lang="en-US"/>
           </a:p>
@@ -4016,7 +4016,7 @@
             <a:p>
               <a:r>
                 <a:rPr lang="en-US" sz="9600" b="1" dirty="0" smtClean="0"/>
-                <a:t>3.2</a:t>
+                <a:t>3.4</a:t>
               </a:r>
               <a:endParaRPr lang="en-US" sz="9600" b="1" dirty="0"/>
             </a:p>

--- a/docs/logo/OmegaLogo.pptx
+++ b/docs/logo/OmegaLogo.pptx
@@ -292,7 +292,7 @@
           <a:p>
             <a:fld id="{76C55591-6D1B-49CB-8597-9F26E42D6901}" type="datetimeFigureOut">
               <a:rPr lang="en-US" smtClean="0"/>
-              <a:t>3/5/2013</a:t>
+              <a:t>3/22/2013</a:t>
             </a:fld>
             <a:endParaRPr lang="en-US"/>
           </a:p>
@@ -462,7 +462,7 @@
           <a:p>
             <a:fld id="{76C55591-6D1B-49CB-8597-9F26E42D6901}" type="datetimeFigureOut">
               <a:rPr lang="en-US" smtClean="0"/>
-              <a:t>3/5/2013</a:t>
+              <a:t>3/22/2013</a:t>
             </a:fld>
             <a:endParaRPr lang="en-US"/>
           </a:p>
@@ -642,7 +642,7 @@
           <a:p>
             <a:fld id="{76C55591-6D1B-49CB-8597-9F26E42D6901}" type="datetimeFigureOut">
               <a:rPr lang="en-US" smtClean="0"/>
-              <a:t>3/5/2013</a:t>
+              <a:t>3/22/2013</a:t>
             </a:fld>
             <a:endParaRPr lang="en-US"/>
           </a:p>
@@ -812,7 +812,7 @@
           <a:p>
             <a:fld id="{76C55591-6D1B-49CB-8597-9F26E42D6901}" type="datetimeFigureOut">
               <a:rPr lang="en-US" smtClean="0"/>
-              <a:t>3/5/2013</a:t>
+              <a:t>3/22/2013</a:t>
             </a:fld>
             <a:endParaRPr lang="en-US"/>
           </a:p>
@@ -1058,7 +1058,7 @@
           <a:p>
             <a:fld id="{76C55591-6D1B-49CB-8597-9F26E42D6901}" type="datetimeFigureOut">
               <a:rPr lang="en-US" smtClean="0"/>
-              <a:t>3/5/2013</a:t>
+              <a:t>3/22/2013</a:t>
             </a:fld>
             <a:endParaRPr lang="en-US"/>
           </a:p>
@@ -1346,7 +1346,7 @@
           <a:p>
             <a:fld id="{76C55591-6D1B-49CB-8597-9F26E42D6901}" type="datetimeFigureOut">
               <a:rPr lang="en-US" smtClean="0"/>
-              <a:t>3/5/2013</a:t>
+              <a:t>3/22/2013</a:t>
             </a:fld>
             <a:endParaRPr lang="en-US"/>
           </a:p>
@@ -1768,7 +1768,7 @@
           <a:p>
             <a:fld id="{76C55591-6D1B-49CB-8597-9F26E42D6901}" type="datetimeFigureOut">
               <a:rPr lang="en-US" smtClean="0"/>
-              <a:t>3/5/2013</a:t>
+              <a:t>3/22/2013</a:t>
             </a:fld>
             <a:endParaRPr lang="en-US"/>
           </a:p>
@@ -1886,7 +1886,7 @@
           <a:p>
             <a:fld id="{76C55591-6D1B-49CB-8597-9F26E42D6901}" type="datetimeFigureOut">
               <a:rPr lang="en-US" smtClean="0"/>
-              <a:t>3/5/2013</a:t>
+              <a:t>3/22/2013</a:t>
             </a:fld>
             <a:endParaRPr lang="en-US"/>
           </a:p>
@@ -1981,7 +1981,7 @@
           <a:p>
             <a:fld id="{76C55591-6D1B-49CB-8597-9F26E42D6901}" type="datetimeFigureOut">
               <a:rPr lang="en-US" smtClean="0"/>
-              <a:t>3/5/2013</a:t>
+              <a:t>3/22/2013</a:t>
             </a:fld>
             <a:endParaRPr lang="en-US"/>
           </a:p>
@@ -2258,7 +2258,7 @@
           <a:p>
             <a:fld id="{76C55591-6D1B-49CB-8597-9F26E42D6901}" type="datetimeFigureOut">
               <a:rPr lang="en-US" smtClean="0"/>
-              <a:t>3/5/2013</a:t>
+              <a:t>3/22/2013</a:t>
             </a:fld>
             <a:endParaRPr lang="en-US"/>
           </a:p>
@@ -2511,7 +2511,7 @@
           <a:p>
             <a:fld id="{76C55591-6D1B-49CB-8597-9F26E42D6901}" type="datetimeFigureOut">
               <a:rPr lang="en-US" smtClean="0"/>
-              <a:t>3/5/2013</a:t>
+              <a:t>3/22/2013</a:t>
             </a:fld>
             <a:endParaRPr lang="en-US"/>
           </a:p>
@@ -2724,7 +2724,7 @@
           <a:p>
             <a:fld id="{76C55591-6D1B-49CB-8597-9F26E42D6901}" type="datetimeFigureOut">
               <a:rPr lang="en-US" smtClean="0"/>
-              <a:t>3/5/2013</a:t>
+              <a:t>3/22/2013</a:t>
             </a:fld>
             <a:endParaRPr lang="en-US"/>
           </a:p>
@@ -4016,7 +4016,7 @@
             <a:p>
               <a:r>
                 <a:rPr lang="en-US" sz="9600" b="1" dirty="0" smtClean="0"/>
-                <a:t>3.4</a:t>
+                <a:t>3.5</a:t>
               </a:r>
               <a:endParaRPr lang="en-US" sz="9600" b="1" dirty="0"/>
             </a:p>
